--- a/Presentation/Jacques slides.pptx
+++ b/Presentation/Jacques slides.pptx
@@ -15,6 +15,11 @@
     <p:sldId id="263" r:id="rId9"/>
     <p:sldId id="264" r:id="rId10"/>
     <p:sldId id="265" r:id="rId11"/>
+    <p:sldId id="266" r:id="rId12"/>
+    <p:sldId id="267" r:id="rId13"/>
+    <p:sldId id="268" r:id="rId14"/>
+    <p:sldId id="269" r:id="rId15"/>
+    <p:sldId id="270" r:id="rId16"/>
   </p:sldIdLst>
   <p:sldSz cx="9144000" cy="6858000" type="screen4x3"/>
   <p:notesSz cx="6858000" cy="9144000"/>
@@ -3204,7 +3209,12 @@
             <p:ph type="title"/>
           </p:nvPr>
         </p:nvSpPr>
-        <p:spPr/>
+        <p:spPr>
+          <a:xfrm>
+            <a:off x="467544" y="332656"/>
+            <a:ext cx="8229600" cy="1143000"/>
+          </a:xfrm>
+        </p:spPr>
         <p:txBody>
           <a:bodyPr/>
           <a:lstStyle/>
@@ -3241,11 +3251,86 @@
         </p:blipFill>
         <p:spPr>
           <a:xfrm>
-            <a:off x="323528" y="3573016"/>
+            <a:off x="265146" y="3212976"/>
             <a:ext cx="8229600" cy="3459707"/>
           </a:xfrm>
         </p:spPr>
       </p:pic>
+      <p:sp>
+        <p:nvSpPr>
+          <p:cNvPr id="3" name="Rectangle 2"/>
+          <p:cNvSpPr/>
+          <p:nvPr/>
+        </p:nvSpPr>
+        <p:spPr>
+          <a:xfrm>
+            <a:off x="-2023" y="1916832"/>
+            <a:ext cx="8763939" cy="923330"/>
+          </a:xfrm>
+          <a:prstGeom prst="rect">
+            <a:avLst/>
+          </a:prstGeom>
+          <a:noFill/>
+        </p:spPr>
+        <p:txBody>
+          <a:bodyPr wrap="none" lIns="91440" tIns="45720" rIns="91440" bIns="45720">
+            <a:spAutoFit/>
+          </a:bodyPr>
+          <a:lstStyle/>
+          <a:p>
+            <a:pPr algn="ctr"/>
+            <a:r>
+              <a:rPr lang="en-US" sz="5400" b="1" dirty="0" smtClean="0">
+                <a:ln w="12700">
+                  <a:solidFill>
+                    <a:schemeClr val="tx2">
+                      <a:satMod val="155000"/>
+                    </a:schemeClr>
+                  </a:solidFill>
+                  <a:prstDash val="solid"/>
+                </a:ln>
+                <a:solidFill>
+                  <a:schemeClr val="accent6">
+                    <a:lumMod val="40000"/>
+                    <a:lumOff val="60000"/>
+                  </a:schemeClr>
+                </a:solidFill>
+                <a:effectLst>
+                  <a:outerShdw blurRad="41275" dist="20320" dir="1800000" algn="tl" rotWithShape="0">
+                    <a:srgbClr val="000000">
+                      <a:alpha val="40000"/>
+                    </a:srgbClr>
+                  </a:outerShdw>
+                </a:effectLst>
+              </a:rPr>
+              <a:t>The same way Amazon did</a:t>
+            </a:r>
+            <a:endParaRPr lang="en-US" sz="5400" b="1" cap="none" spc="0" dirty="0">
+              <a:ln w="12700">
+                <a:solidFill>
+                  <a:schemeClr val="tx2">
+                    <a:satMod val="155000"/>
+                  </a:schemeClr>
+                </a:solidFill>
+                <a:prstDash val="solid"/>
+              </a:ln>
+              <a:solidFill>
+                <a:schemeClr val="accent6">
+                  <a:lumMod val="40000"/>
+                  <a:lumOff val="60000"/>
+                </a:schemeClr>
+              </a:solidFill>
+              <a:effectLst>
+                <a:outerShdw blurRad="41275" dist="20320" dir="1800000" algn="tl" rotWithShape="0">
+                  <a:srgbClr val="000000">
+                    <a:alpha val="40000"/>
+                  </a:srgbClr>
+                </a:outerShdw>
+              </a:effectLst>
+            </a:endParaRPr>
+          </a:p>
+        </p:txBody>
+      </p:sp>
     </p:spTree>
     <p:extLst>
       <p:ext uri="{BB962C8B-B14F-4D97-AF65-F5344CB8AC3E}">
@@ -3259,7 +3344,2803 @@
   <p:timing>
     <p:tnLst>
       <p:par>
-        <p:cTn id="1" dur="indefinite" restart="never" nodeType="tmRoot"/>
+        <p:cTn id="1" dur="indefinite" restart="never" nodeType="tmRoot">
+          <p:childTnLst>
+            <p:seq concurrent="1" nextAc="seek">
+              <p:cTn id="2" dur="indefinite" nodeType="mainSeq">
+                <p:childTnLst>
+                  <p:par>
+                    <p:cTn id="3" fill="hold">
+                      <p:stCondLst>
+                        <p:cond delay="indefinite"/>
+                      </p:stCondLst>
+                      <p:childTnLst>
+                        <p:par>
+                          <p:cTn id="4" fill="hold">
+                            <p:stCondLst>
+                              <p:cond delay="0"/>
+                            </p:stCondLst>
+                            <p:childTnLst>
+                              <p:par>
+                                <p:cTn id="5" presetID="22" presetClass="entr" presetSubtype="4" fill="hold" nodeType="clickEffect">
+                                  <p:stCondLst>
+                                    <p:cond delay="0"/>
+                                  </p:stCondLst>
+                                  <p:childTnLst>
+                                    <p:set>
+                                      <p:cBhvr>
+                                        <p:cTn id="6" dur="1" fill="hold">
+                                          <p:stCondLst>
+                                            <p:cond delay="0"/>
+                                          </p:stCondLst>
+                                        </p:cTn>
+                                        <p:tgtEl>
+                                          <p:spTgt spid="3">
+                                            <p:txEl>
+                                              <p:pRg st="0" end="0"/>
+                                            </p:txEl>
+                                          </p:spTgt>
+                                        </p:tgtEl>
+                                        <p:attrNameLst>
+                                          <p:attrName>style.visibility</p:attrName>
+                                        </p:attrNameLst>
+                                      </p:cBhvr>
+                                      <p:to>
+                                        <p:strVal val="visible"/>
+                                      </p:to>
+                                    </p:set>
+                                    <p:animEffect transition="in" filter="wipe(down)">
+                                      <p:cBhvr>
+                                        <p:cTn id="7" dur="500"/>
+                                        <p:tgtEl>
+                                          <p:spTgt spid="3">
+                                            <p:txEl>
+                                              <p:pRg st="0" end="0"/>
+                                            </p:txEl>
+                                          </p:spTgt>
+                                        </p:tgtEl>
+                                      </p:cBhvr>
+                                    </p:animEffect>
+                                  </p:childTnLst>
+                                </p:cTn>
+                              </p:par>
+                              <p:par>
+                                <p:cTn id="8" presetID="42" presetClass="entr" presetSubtype="0" fill="hold" nodeType="withEffect">
+                                  <p:stCondLst>
+                                    <p:cond delay="0"/>
+                                  </p:stCondLst>
+                                  <p:childTnLst>
+                                    <p:set>
+                                      <p:cBhvr>
+                                        <p:cTn id="9" dur="1" fill="hold">
+                                          <p:stCondLst>
+                                            <p:cond delay="0"/>
+                                          </p:stCondLst>
+                                        </p:cTn>
+                                        <p:tgtEl>
+                                          <p:spTgt spid="4"/>
+                                        </p:tgtEl>
+                                        <p:attrNameLst>
+                                          <p:attrName>style.visibility</p:attrName>
+                                        </p:attrNameLst>
+                                      </p:cBhvr>
+                                      <p:to>
+                                        <p:strVal val="visible"/>
+                                      </p:to>
+                                    </p:set>
+                                    <p:animEffect transition="in" filter="fade">
+                                      <p:cBhvr>
+                                        <p:cTn id="10" dur="1000"/>
+                                        <p:tgtEl>
+                                          <p:spTgt spid="4"/>
+                                        </p:tgtEl>
+                                      </p:cBhvr>
+                                    </p:animEffect>
+                                    <p:anim calcmode="lin" valueType="num">
+                                      <p:cBhvr>
+                                        <p:cTn id="11" dur="1000" fill="hold"/>
+                                        <p:tgtEl>
+                                          <p:spTgt spid="4"/>
+                                        </p:tgtEl>
+                                        <p:attrNameLst>
+                                          <p:attrName>ppt_x</p:attrName>
+                                        </p:attrNameLst>
+                                      </p:cBhvr>
+                                      <p:tavLst>
+                                        <p:tav tm="0">
+                                          <p:val>
+                                            <p:strVal val="#ppt_x"/>
+                                          </p:val>
+                                        </p:tav>
+                                        <p:tav tm="100000">
+                                          <p:val>
+                                            <p:strVal val="#ppt_x"/>
+                                          </p:val>
+                                        </p:tav>
+                                      </p:tavLst>
+                                    </p:anim>
+                                    <p:anim calcmode="lin" valueType="num">
+                                      <p:cBhvr>
+                                        <p:cTn id="12" dur="1000" fill="hold"/>
+                                        <p:tgtEl>
+                                          <p:spTgt spid="4"/>
+                                        </p:tgtEl>
+                                        <p:attrNameLst>
+                                          <p:attrName>ppt_y</p:attrName>
+                                        </p:attrNameLst>
+                                      </p:cBhvr>
+                                      <p:tavLst>
+                                        <p:tav tm="0">
+                                          <p:val>
+                                            <p:strVal val="#ppt_y+.1"/>
+                                          </p:val>
+                                        </p:tav>
+                                        <p:tav tm="100000">
+                                          <p:val>
+                                            <p:strVal val="#ppt_y"/>
+                                          </p:val>
+                                        </p:tav>
+                                      </p:tavLst>
+                                    </p:anim>
+                                  </p:childTnLst>
+                                </p:cTn>
+                              </p:par>
+                            </p:childTnLst>
+                          </p:cTn>
+                        </p:par>
+                      </p:childTnLst>
+                    </p:cTn>
+                  </p:par>
+                </p:childTnLst>
+              </p:cTn>
+              <p:prevCondLst>
+                <p:cond evt="onPrev" delay="0">
+                  <p:tgtEl>
+                    <p:sldTgt/>
+                  </p:tgtEl>
+                </p:cond>
+              </p:prevCondLst>
+              <p:nextCondLst>
+                <p:cond evt="onNext" delay="0">
+                  <p:tgtEl>
+                    <p:sldTgt/>
+                  </p:tgtEl>
+                </p:cond>
+              </p:nextCondLst>
+            </p:seq>
+          </p:childTnLst>
+        </p:cTn>
+      </p:par>
+    </p:tnLst>
+  </p:timing>
+</p:sld>
+</file>
+
+<file path=ppt/slides/slide11.xml><?xml version="1.0" encoding="utf-8"?>
+<p:sld xmlns:a="http://schemas.openxmlformats.org/drawingml/2006/main" xmlns:r="http://schemas.openxmlformats.org/officeDocument/2006/relationships" xmlns:p="http://schemas.openxmlformats.org/presentationml/2006/main">
+  <p:cSld>
+    <p:spTree>
+      <p:nvGrpSpPr>
+        <p:cNvPr id="1" name=""/>
+        <p:cNvGrpSpPr/>
+        <p:nvPr/>
+      </p:nvGrpSpPr>
+      <p:grpSpPr>
+        <a:xfrm>
+          <a:off x="0" y="0"/>
+          <a:ext cx="0" cy="0"/>
+          <a:chOff x="0" y="0"/>
+          <a:chExt cx="0" cy="0"/>
+        </a:xfrm>
+      </p:grpSpPr>
+      <p:sp>
+        <p:nvSpPr>
+          <p:cNvPr id="2" name="Title 1"/>
+          <p:cNvSpPr>
+            <a:spLocks noGrp="1"/>
+          </p:cNvSpPr>
+          <p:nvPr>
+            <p:ph type="title"/>
+          </p:nvPr>
+        </p:nvSpPr>
+        <p:spPr/>
+        <p:txBody>
+          <a:bodyPr/>
+          <a:lstStyle/>
+          <a:p>
+            <a:r>
+              <a:rPr lang="en-ZA" dirty="0" smtClean="0"/>
+              <a:t>The solution is …</a:t>
+            </a:r>
+            <a:endParaRPr lang="en-ZA" dirty="0"/>
+          </a:p>
+        </p:txBody>
+      </p:sp>
+      <p:sp>
+        <p:nvSpPr>
+          <p:cNvPr id="3" name="Content Placeholder 2"/>
+          <p:cNvSpPr>
+            <a:spLocks noGrp="1"/>
+          </p:cNvSpPr>
+          <p:nvPr>
+            <p:ph idx="1"/>
+          </p:nvPr>
+        </p:nvSpPr>
+        <p:spPr/>
+        <p:txBody>
+          <a:bodyPr>
+            <a:normAutofit/>
+            <a:scene3d>
+              <a:camera prst="orthographicFront"/>
+              <a:lightRig rig="threePt" dir="t"/>
+            </a:scene3d>
+            <a:sp3d>
+              <a:bevelT w="69850" h="133350"/>
+              <a:bevelB w="50800" h="120650"/>
+            </a:sp3d>
+          </a:bodyPr>
+          <a:lstStyle/>
+          <a:p>
+            <a:pPr marL="137160" indent="0" algn="ctr">
+              <a:buNone/>
+            </a:pPr>
+            <a:r>
+              <a:rPr lang="en-ZA" sz="7200" dirty="0" smtClean="0">
+                <a:solidFill>
+                  <a:srgbClr val="FFFF00"/>
+                </a:solidFill>
+              </a:rPr>
+              <a:t>A personalized movie recommender system</a:t>
+            </a:r>
+            <a:endParaRPr lang="en-ZA" sz="7200" dirty="0">
+              <a:solidFill>
+                <a:srgbClr val="FFFF00"/>
+              </a:solidFill>
+            </a:endParaRPr>
+          </a:p>
+        </p:txBody>
+      </p:sp>
+    </p:spTree>
+    <p:extLst>
+      <p:ext uri="{BB962C8B-B14F-4D97-AF65-F5344CB8AC3E}">
+        <p14:creationId xmlns:p14="http://schemas.microsoft.com/office/powerpoint/2010/main" val="113106931"/>
+      </p:ext>
+    </p:extLst>
+  </p:cSld>
+  <p:clrMapOvr>
+    <a:masterClrMapping/>
+  </p:clrMapOvr>
+  <p:timing>
+    <p:tnLst>
+      <p:par>
+        <p:cTn id="1" dur="indefinite" restart="never" nodeType="tmRoot">
+          <p:childTnLst>
+            <p:seq concurrent="1" nextAc="seek">
+              <p:cTn id="2" dur="indefinite" nodeType="mainSeq">
+                <p:childTnLst>
+                  <p:par>
+                    <p:cTn id="3" fill="hold">
+                      <p:stCondLst>
+                        <p:cond delay="indefinite"/>
+                      </p:stCondLst>
+                      <p:childTnLst>
+                        <p:par>
+                          <p:cTn id="4" fill="hold">
+                            <p:stCondLst>
+                              <p:cond delay="0"/>
+                            </p:stCondLst>
+                            <p:childTnLst>
+                              <p:par>
+                                <p:cTn id="5" presetID="26" presetClass="entr" presetSubtype="0" fill="hold" grpId="0" nodeType="clickEffect">
+                                  <p:stCondLst>
+                                    <p:cond delay="0"/>
+                                  </p:stCondLst>
+                                  <p:childTnLst>
+                                    <p:set>
+                                      <p:cBhvr>
+                                        <p:cTn id="6" dur="1" fill="hold">
+                                          <p:stCondLst>
+                                            <p:cond delay="0"/>
+                                          </p:stCondLst>
+                                        </p:cTn>
+                                        <p:tgtEl>
+                                          <p:spTgt spid="3">
+                                            <p:txEl>
+                                              <p:pRg st="0" end="0"/>
+                                            </p:txEl>
+                                          </p:spTgt>
+                                        </p:tgtEl>
+                                        <p:attrNameLst>
+                                          <p:attrName>style.visibility</p:attrName>
+                                        </p:attrNameLst>
+                                      </p:cBhvr>
+                                      <p:to>
+                                        <p:strVal val="visible"/>
+                                      </p:to>
+                                    </p:set>
+                                    <p:animEffect transition="in" filter="wipe(down)">
+                                      <p:cBhvr>
+                                        <p:cTn id="7" dur="580">
+                                          <p:stCondLst>
+                                            <p:cond delay="0"/>
+                                          </p:stCondLst>
+                                        </p:cTn>
+                                        <p:tgtEl>
+                                          <p:spTgt spid="3">
+                                            <p:txEl>
+                                              <p:pRg st="0" end="0"/>
+                                            </p:txEl>
+                                          </p:spTgt>
+                                        </p:tgtEl>
+                                      </p:cBhvr>
+                                    </p:animEffect>
+                                    <p:anim calcmode="lin" valueType="num">
+                                      <p:cBhvr>
+                                        <p:cTn id="8" dur="1822" tmFilter="0,0; 0.14,0.36; 0.43,0.73; 0.71,0.91; 1.0,1.0">
+                                          <p:stCondLst>
+                                            <p:cond delay="0"/>
+                                          </p:stCondLst>
+                                        </p:cTn>
+                                        <p:tgtEl>
+                                          <p:spTgt spid="3">
+                                            <p:txEl>
+                                              <p:pRg st="0" end="0"/>
+                                            </p:txEl>
+                                          </p:spTgt>
+                                        </p:tgtEl>
+                                        <p:attrNameLst>
+                                          <p:attrName>ppt_x</p:attrName>
+                                        </p:attrNameLst>
+                                      </p:cBhvr>
+                                      <p:tavLst>
+                                        <p:tav tm="0">
+                                          <p:val>
+                                            <p:strVal val="#ppt_x-0.25"/>
+                                          </p:val>
+                                        </p:tav>
+                                        <p:tav tm="100000">
+                                          <p:val>
+                                            <p:strVal val="#ppt_x"/>
+                                          </p:val>
+                                        </p:tav>
+                                      </p:tavLst>
+                                    </p:anim>
+                                    <p:anim calcmode="lin" valueType="num">
+                                      <p:cBhvr>
+                                        <p:cTn id="9" dur="664" tmFilter="0.0,0.0; 0.25,0.07; 0.50,0.2; 0.75,0.467; 1.0,1.0">
+                                          <p:stCondLst>
+                                            <p:cond delay="0"/>
+                                          </p:stCondLst>
+                                        </p:cTn>
+                                        <p:tgtEl>
+                                          <p:spTgt spid="3">
+                                            <p:txEl>
+                                              <p:pRg st="0" end="0"/>
+                                            </p:txEl>
+                                          </p:spTgt>
+                                        </p:tgtEl>
+                                        <p:attrNameLst>
+                                          <p:attrName>ppt_y</p:attrName>
+                                        </p:attrNameLst>
+                                      </p:cBhvr>
+                                      <p:tavLst>
+                                        <p:tav tm="0" fmla="#ppt_y-sin(pi*$)/3">
+                                          <p:val>
+                                            <p:fltVal val="0.5"/>
+                                          </p:val>
+                                        </p:tav>
+                                        <p:tav tm="100000">
+                                          <p:val>
+                                            <p:fltVal val="1"/>
+                                          </p:val>
+                                        </p:tav>
+                                      </p:tavLst>
+                                    </p:anim>
+                                    <p:anim calcmode="lin" valueType="num">
+                                      <p:cBhvr>
+                                        <p:cTn id="10" dur="664" tmFilter="0, 0; 0.125,0.2665; 0.25,0.4; 0.375,0.465; 0.5,0.5;  0.625,0.535; 0.75,0.6; 0.875,0.7335; 1,1">
+                                          <p:stCondLst>
+                                            <p:cond delay="664"/>
+                                          </p:stCondLst>
+                                        </p:cTn>
+                                        <p:tgtEl>
+                                          <p:spTgt spid="3">
+                                            <p:txEl>
+                                              <p:pRg st="0" end="0"/>
+                                            </p:txEl>
+                                          </p:spTgt>
+                                        </p:tgtEl>
+                                        <p:attrNameLst>
+                                          <p:attrName>ppt_y</p:attrName>
+                                        </p:attrNameLst>
+                                      </p:cBhvr>
+                                      <p:tavLst>
+                                        <p:tav tm="0" fmla="#ppt_y-sin(pi*$)/9">
+                                          <p:val>
+                                            <p:fltVal val="0"/>
+                                          </p:val>
+                                        </p:tav>
+                                        <p:tav tm="100000">
+                                          <p:val>
+                                            <p:fltVal val="1"/>
+                                          </p:val>
+                                        </p:tav>
+                                      </p:tavLst>
+                                    </p:anim>
+                                    <p:anim calcmode="lin" valueType="num">
+                                      <p:cBhvr>
+                                        <p:cTn id="11" dur="332" tmFilter="0, 0; 0.125,0.2665; 0.25,0.4; 0.375,0.465; 0.5,0.5;  0.625,0.535; 0.75,0.6; 0.875,0.7335; 1,1">
+                                          <p:stCondLst>
+                                            <p:cond delay="1324"/>
+                                          </p:stCondLst>
+                                        </p:cTn>
+                                        <p:tgtEl>
+                                          <p:spTgt spid="3">
+                                            <p:txEl>
+                                              <p:pRg st="0" end="0"/>
+                                            </p:txEl>
+                                          </p:spTgt>
+                                        </p:tgtEl>
+                                        <p:attrNameLst>
+                                          <p:attrName>ppt_y</p:attrName>
+                                        </p:attrNameLst>
+                                      </p:cBhvr>
+                                      <p:tavLst>
+                                        <p:tav tm="0" fmla="#ppt_y-sin(pi*$)/27">
+                                          <p:val>
+                                            <p:fltVal val="0"/>
+                                          </p:val>
+                                        </p:tav>
+                                        <p:tav tm="100000">
+                                          <p:val>
+                                            <p:fltVal val="1"/>
+                                          </p:val>
+                                        </p:tav>
+                                      </p:tavLst>
+                                    </p:anim>
+                                    <p:anim calcmode="lin" valueType="num">
+                                      <p:cBhvr>
+                                        <p:cTn id="12" dur="164" tmFilter="0, 0; 0.125,0.2665; 0.25,0.4; 0.375,0.465; 0.5,0.5;  0.625,0.535; 0.75,0.6; 0.875,0.7335; 1,1">
+                                          <p:stCondLst>
+                                            <p:cond delay="1656"/>
+                                          </p:stCondLst>
+                                        </p:cTn>
+                                        <p:tgtEl>
+                                          <p:spTgt spid="3">
+                                            <p:txEl>
+                                              <p:pRg st="0" end="0"/>
+                                            </p:txEl>
+                                          </p:spTgt>
+                                        </p:tgtEl>
+                                        <p:attrNameLst>
+                                          <p:attrName>ppt_y</p:attrName>
+                                        </p:attrNameLst>
+                                      </p:cBhvr>
+                                      <p:tavLst>
+                                        <p:tav tm="0" fmla="#ppt_y-sin(pi*$)/81">
+                                          <p:val>
+                                            <p:fltVal val="0"/>
+                                          </p:val>
+                                        </p:tav>
+                                        <p:tav tm="100000">
+                                          <p:val>
+                                            <p:fltVal val="1"/>
+                                          </p:val>
+                                        </p:tav>
+                                      </p:tavLst>
+                                    </p:anim>
+                                    <p:animScale>
+                                      <p:cBhvr>
+                                        <p:cTn id="13" dur="26">
+                                          <p:stCondLst>
+                                            <p:cond delay="650"/>
+                                          </p:stCondLst>
+                                        </p:cTn>
+                                        <p:tgtEl>
+                                          <p:spTgt spid="3">
+                                            <p:txEl>
+                                              <p:pRg st="0" end="0"/>
+                                            </p:txEl>
+                                          </p:spTgt>
+                                        </p:tgtEl>
+                                      </p:cBhvr>
+                                      <p:to x="100000" y="60000"/>
+                                    </p:animScale>
+                                    <p:animScale>
+                                      <p:cBhvr>
+                                        <p:cTn id="14" dur="166" decel="50000">
+                                          <p:stCondLst>
+                                            <p:cond delay="676"/>
+                                          </p:stCondLst>
+                                        </p:cTn>
+                                        <p:tgtEl>
+                                          <p:spTgt spid="3">
+                                            <p:txEl>
+                                              <p:pRg st="0" end="0"/>
+                                            </p:txEl>
+                                          </p:spTgt>
+                                        </p:tgtEl>
+                                      </p:cBhvr>
+                                      <p:to x="100000" y="100000"/>
+                                    </p:animScale>
+                                    <p:animScale>
+                                      <p:cBhvr>
+                                        <p:cTn id="15" dur="26">
+                                          <p:stCondLst>
+                                            <p:cond delay="1312"/>
+                                          </p:stCondLst>
+                                        </p:cTn>
+                                        <p:tgtEl>
+                                          <p:spTgt spid="3">
+                                            <p:txEl>
+                                              <p:pRg st="0" end="0"/>
+                                            </p:txEl>
+                                          </p:spTgt>
+                                        </p:tgtEl>
+                                      </p:cBhvr>
+                                      <p:to x="100000" y="80000"/>
+                                    </p:animScale>
+                                    <p:animScale>
+                                      <p:cBhvr>
+                                        <p:cTn id="16" dur="166" decel="50000">
+                                          <p:stCondLst>
+                                            <p:cond delay="1338"/>
+                                          </p:stCondLst>
+                                        </p:cTn>
+                                        <p:tgtEl>
+                                          <p:spTgt spid="3">
+                                            <p:txEl>
+                                              <p:pRg st="0" end="0"/>
+                                            </p:txEl>
+                                          </p:spTgt>
+                                        </p:tgtEl>
+                                      </p:cBhvr>
+                                      <p:to x="100000" y="100000"/>
+                                    </p:animScale>
+                                    <p:animScale>
+                                      <p:cBhvr>
+                                        <p:cTn id="17" dur="26">
+                                          <p:stCondLst>
+                                            <p:cond delay="1642"/>
+                                          </p:stCondLst>
+                                        </p:cTn>
+                                        <p:tgtEl>
+                                          <p:spTgt spid="3">
+                                            <p:txEl>
+                                              <p:pRg st="0" end="0"/>
+                                            </p:txEl>
+                                          </p:spTgt>
+                                        </p:tgtEl>
+                                      </p:cBhvr>
+                                      <p:to x="100000" y="90000"/>
+                                    </p:animScale>
+                                    <p:animScale>
+                                      <p:cBhvr>
+                                        <p:cTn id="18" dur="166" decel="50000">
+                                          <p:stCondLst>
+                                            <p:cond delay="1668"/>
+                                          </p:stCondLst>
+                                        </p:cTn>
+                                        <p:tgtEl>
+                                          <p:spTgt spid="3">
+                                            <p:txEl>
+                                              <p:pRg st="0" end="0"/>
+                                            </p:txEl>
+                                          </p:spTgt>
+                                        </p:tgtEl>
+                                      </p:cBhvr>
+                                      <p:to x="100000" y="100000"/>
+                                    </p:animScale>
+                                    <p:animScale>
+                                      <p:cBhvr>
+                                        <p:cTn id="19" dur="26">
+                                          <p:stCondLst>
+                                            <p:cond delay="1808"/>
+                                          </p:stCondLst>
+                                        </p:cTn>
+                                        <p:tgtEl>
+                                          <p:spTgt spid="3">
+                                            <p:txEl>
+                                              <p:pRg st="0" end="0"/>
+                                            </p:txEl>
+                                          </p:spTgt>
+                                        </p:tgtEl>
+                                      </p:cBhvr>
+                                      <p:to x="100000" y="95000"/>
+                                    </p:animScale>
+                                    <p:animScale>
+                                      <p:cBhvr>
+                                        <p:cTn id="20" dur="166" decel="50000">
+                                          <p:stCondLst>
+                                            <p:cond delay="1834"/>
+                                          </p:stCondLst>
+                                        </p:cTn>
+                                        <p:tgtEl>
+                                          <p:spTgt spid="3">
+                                            <p:txEl>
+                                              <p:pRg st="0" end="0"/>
+                                            </p:txEl>
+                                          </p:spTgt>
+                                        </p:tgtEl>
+                                      </p:cBhvr>
+                                      <p:to x="100000" y="100000"/>
+                                    </p:animScale>
+                                  </p:childTnLst>
+                                </p:cTn>
+                              </p:par>
+                            </p:childTnLst>
+                          </p:cTn>
+                        </p:par>
+                      </p:childTnLst>
+                    </p:cTn>
+                  </p:par>
+                </p:childTnLst>
+              </p:cTn>
+              <p:prevCondLst>
+                <p:cond evt="onPrev" delay="0">
+                  <p:tgtEl>
+                    <p:sldTgt/>
+                  </p:tgtEl>
+                </p:cond>
+              </p:prevCondLst>
+              <p:nextCondLst>
+                <p:cond evt="onNext" delay="0">
+                  <p:tgtEl>
+                    <p:sldTgt/>
+                  </p:tgtEl>
+                </p:cond>
+              </p:nextCondLst>
+            </p:seq>
+          </p:childTnLst>
+        </p:cTn>
+      </p:par>
+    </p:tnLst>
+    <p:bldLst>
+      <p:bldP spid="3" grpId="0" build="p"/>
+    </p:bldLst>
+  </p:timing>
+</p:sld>
+</file>
+
+<file path=ppt/slides/slide12.xml><?xml version="1.0" encoding="utf-8"?>
+<p:sld xmlns:a="http://schemas.openxmlformats.org/drawingml/2006/main" xmlns:r="http://schemas.openxmlformats.org/officeDocument/2006/relationships" xmlns:p="http://schemas.openxmlformats.org/presentationml/2006/main">
+  <p:cSld>
+    <p:spTree>
+      <p:nvGrpSpPr>
+        <p:cNvPr id="1" name=""/>
+        <p:cNvGrpSpPr/>
+        <p:nvPr/>
+      </p:nvGrpSpPr>
+      <p:grpSpPr>
+        <a:xfrm>
+          <a:off x="0" y="0"/>
+          <a:ext cx="0" cy="0"/>
+          <a:chOff x="0" y="0"/>
+          <a:chExt cx="0" cy="0"/>
+        </a:xfrm>
+      </p:grpSpPr>
+      <p:sp>
+        <p:nvSpPr>
+          <p:cNvPr id="2" name="Title 1"/>
+          <p:cNvSpPr>
+            <a:spLocks noGrp="1"/>
+          </p:cNvSpPr>
+          <p:nvPr>
+            <p:ph type="title"/>
+          </p:nvPr>
+        </p:nvSpPr>
+        <p:spPr/>
+        <p:txBody>
+          <a:bodyPr/>
+          <a:lstStyle/>
+          <a:p>
+            <a:r>
+              <a:rPr lang="en-ZA" dirty="0" smtClean="0"/>
+              <a:t>What does it do?</a:t>
+            </a:r>
+            <a:endParaRPr lang="en-ZA" dirty="0"/>
+          </a:p>
+        </p:txBody>
+      </p:sp>
+      <p:sp>
+        <p:nvSpPr>
+          <p:cNvPr id="3" name="Content Placeholder 2"/>
+          <p:cNvSpPr>
+            <a:spLocks noGrp="1"/>
+          </p:cNvSpPr>
+          <p:nvPr>
+            <p:ph idx="1"/>
+          </p:nvPr>
+        </p:nvSpPr>
+        <p:spPr/>
+        <p:txBody>
+          <a:bodyPr/>
+          <a:lstStyle/>
+          <a:p>
+            <a:r>
+              <a:rPr lang="en-ZA" dirty="0" smtClean="0"/>
+              <a:t>It automatically recommends movies to users once they sign in or finish watching a movie.</a:t>
+            </a:r>
+          </a:p>
+          <a:p>
+            <a:r>
+              <a:rPr lang="en-ZA" dirty="0" smtClean="0"/>
+              <a:t>It will know what movies to recommend based on …</a:t>
+            </a:r>
+          </a:p>
+          <a:p>
+            <a:pPr lvl="1"/>
+            <a:r>
+              <a:rPr lang="en-ZA" dirty="0" smtClean="0"/>
+              <a:t>The user’s previous movie ratings,</a:t>
+            </a:r>
+          </a:p>
+          <a:p>
+            <a:pPr lvl="1"/>
+            <a:r>
+              <a:rPr lang="en-ZA" dirty="0" smtClean="0"/>
+              <a:t>The ratings of others similar users on your platform,</a:t>
+            </a:r>
+          </a:p>
+          <a:p>
+            <a:pPr lvl="1"/>
+            <a:r>
+              <a:rPr lang="en-ZA" dirty="0" smtClean="0"/>
+              <a:t>The information a user gives then he signs up.</a:t>
+            </a:r>
+          </a:p>
+        </p:txBody>
+      </p:sp>
+    </p:spTree>
+    <p:extLst>
+      <p:ext uri="{BB962C8B-B14F-4D97-AF65-F5344CB8AC3E}">
+        <p14:creationId xmlns:p14="http://schemas.microsoft.com/office/powerpoint/2010/main" val="3834221981"/>
+      </p:ext>
+    </p:extLst>
+  </p:cSld>
+  <p:clrMapOvr>
+    <a:masterClrMapping/>
+  </p:clrMapOvr>
+  <p:timing>
+    <p:tnLst>
+      <p:par>
+        <p:cTn id="1" dur="indefinite" restart="never" nodeType="tmRoot">
+          <p:childTnLst>
+            <p:seq concurrent="1" nextAc="seek">
+              <p:cTn id="2" dur="indefinite" nodeType="mainSeq">
+                <p:childTnLst>
+                  <p:par>
+                    <p:cTn id="3" fill="hold">
+                      <p:stCondLst>
+                        <p:cond delay="indefinite"/>
+                      </p:stCondLst>
+                      <p:childTnLst>
+                        <p:par>
+                          <p:cTn id="4" fill="hold">
+                            <p:stCondLst>
+                              <p:cond delay="0"/>
+                            </p:stCondLst>
+                            <p:childTnLst>
+                              <p:par>
+                                <p:cTn id="5" presetID="2" presetClass="entr" presetSubtype="4" fill="hold" nodeType="clickEffect">
+                                  <p:stCondLst>
+                                    <p:cond delay="0"/>
+                                  </p:stCondLst>
+                                  <p:childTnLst>
+                                    <p:set>
+                                      <p:cBhvr>
+                                        <p:cTn id="6" dur="1" fill="hold">
+                                          <p:stCondLst>
+                                            <p:cond delay="0"/>
+                                          </p:stCondLst>
+                                        </p:cTn>
+                                        <p:tgtEl>
+                                          <p:spTgt spid="3">
+                                            <p:txEl>
+                                              <p:pRg st="0" end="0"/>
+                                            </p:txEl>
+                                          </p:spTgt>
+                                        </p:tgtEl>
+                                        <p:attrNameLst>
+                                          <p:attrName>style.visibility</p:attrName>
+                                        </p:attrNameLst>
+                                      </p:cBhvr>
+                                      <p:to>
+                                        <p:strVal val="visible"/>
+                                      </p:to>
+                                    </p:set>
+                                    <p:anim calcmode="lin" valueType="num">
+                                      <p:cBhvr additive="base">
+                                        <p:cTn id="7" dur="500" fill="hold"/>
+                                        <p:tgtEl>
+                                          <p:spTgt spid="3">
+                                            <p:txEl>
+                                              <p:pRg st="0" end="0"/>
+                                            </p:txEl>
+                                          </p:spTgt>
+                                        </p:tgtEl>
+                                        <p:attrNameLst>
+                                          <p:attrName>ppt_x</p:attrName>
+                                        </p:attrNameLst>
+                                      </p:cBhvr>
+                                      <p:tavLst>
+                                        <p:tav tm="0">
+                                          <p:val>
+                                            <p:strVal val="#ppt_x"/>
+                                          </p:val>
+                                        </p:tav>
+                                        <p:tav tm="100000">
+                                          <p:val>
+                                            <p:strVal val="#ppt_x"/>
+                                          </p:val>
+                                        </p:tav>
+                                      </p:tavLst>
+                                    </p:anim>
+                                    <p:anim calcmode="lin" valueType="num">
+                                      <p:cBhvr additive="base">
+                                        <p:cTn id="8" dur="500" fill="hold"/>
+                                        <p:tgtEl>
+                                          <p:spTgt spid="3">
+                                            <p:txEl>
+                                              <p:pRg st="0" end="0"/>
+                                            </p:txEl>
+                                          </p:spTgt>
+                                        </p:tgtEl>
+                                        <p:attrNameLst>
+                                          <p:attrName>ppt_y</p:attrName>
+                                        </p:attrNameLst>
+                                      </p:cBhvr>
+                                      <p:tavLst>
+                                        <p:tav tm="0">
+                                          <p:val>
+                                            <p:strVal val="1+#ppt_h/2"/>
+                                          </p:val>
+                                        </p:tav>
+                                        <p:tav tm="100000">
+                                          <p:val>
+                                            <p:strVal val="#ppt_y"/>
+                                          </p:val>
+                                        </p:tav>
+                                      </p:tavLst>
+                                    </p:anim>
+                                  </p:childTnLst>
+                                </p:cTn>
+                              </p:par>
+                            </p:childTnLst>
+                          </p:cTn>
+                        </p:par>
+                      </p:childTnLst>
+                    </p:cTn>
+                  </p:par>
+                  <p:par>
+                    <p:cTn id="9" fill="hold">
+                      <p:stCondLst>
+                        <p:cond delay="indefinite"/>
+                      </p:stCondLst>
+                      <p:childTnLst>
+                        <p:par>
+                          <p:cTn id="10" fill="hold">
+                            <p:stCondLst>
+                              <p:cond delay="0"/>
+                            </p:stCondLst>
+                            <p:childTnLst>
+                              <p:par>
+                                <p:cTn id="11" presetID="2" presetClass="entr" presetSubtype="4" fill="hold" nodeType="clickEffect">
+                                  <p:stCondLst>
+                                    <p:cond delay="0"/>
+                                  </p:stCondLst>
+                                  <p:childTnLst>
+                                    <p:set>
+                                      <p:cBhvr>
+                                        <p:cTn id="12" dur="1" fill="hold">
+                                          <p:stCondLst>
+                                            <p:cond delay="0"/>
+                                          </p:stCondLst>
+                                        </p:cTn>
+                                        <p:tgtEl>
+                                          <p:spTgt spid="3">
+                                            <p:txEl>
+                                              <p:pRg st="1" end="1"/>
+                                            </p:txEl>
+                                          </p:spTgt>
+                                        </p:tgtEl>
+                                        <p:attrNameLst>
+                                          <p:attrName>style.visibility</p:attrName>
+                                        </p:attrNameLst>
+                                      </p:cBhvr>
+                                      <p:to>
+                                        <p:strVal val="visible"/>
+                                      </p:to>
+                                    </p:set>
+                                    <p:anim calcmode="lin" valueType="num">
+                                      <p:cBhvr additive="base">
+                                        <p:cTn id="13" dur="500" fill="hold"/>
+                                        <p:tgtEl>
+                                          <p:spTgt spid="3">
+                                            <p:txEl>
+                                              <p:pRg st="1" end="1"/>
+                                            </p:txEl>
+                                          </p:spTgt>
+                                        </p:tgtEl>
+                                        <p:attrNameLst>
+                                          <p:attrName>ppt_x</p:attrName>
+                                        </p:attrNameLst>
+                                      </p:cBhvr>
+                                      <p:tavLst>
+                                        <p:tav tm="0">
+                                          <p:val>
+                                            <p:strVal val="#ppt_x"/>
+                                          </p:val>
+                                        </p:tav>
+                                        <p:tav tm="100000">
+                                          <p:val>
+                                            <p:strVal val="#ppt_x"/>
+                                          </p:val>
+                                        </p:tav>
+                                      </p:tavLst>
+                                    </p:anim>
+                                    <p:anim calcmode="lin" valueType="num">
+                                      <p:cBhvr additive="base">
+                                        <p:cTn id="14" dur="500" fill="hold"/>
+                                        <p:tgtEl>
+                                          <p:spTgt spid="3">
+                                            <p:txEl>
+                                              <p:pRg st="1" end="1"/>
+                                            </p:txEl>
+                                          </p:spTgt>
+                                        </p:tgtEl>
+                                        <p:attrNameLst>
+                                          <p:attrName>ppt_y</p:attrName>
+                                        </p:attrNameLst>
+                                      </p:cBhvr>
+                                      <p:tavLst>
+                                        <p:tav tm="0">
+                                          <p:val>
+                                            <p:strVal val="1+#ppt_h/2"/>
+                                          </p:val>
+                                        </p:tav>
+                                        <p:tav tm="100000">
+                                          <p:val>
+                                            <p:strVal val="#ppt_y"/>
+                                          </p:val>
+                                        </p:tav>
+                                      </p:tavLst>
+                                    </p:anim>
+                                  </p:childTnLst>
+                                </p:cTn>
+                              </p:par>
+                            </p:childTnLst>
+                          </p:cTn>
+                        </p:par>
+                      </p:childTnLst>
+                    </p:cTn>
+                  </p:par>
+                  <p:par>
+                    <p:cTn id="15" fill="hold">
+                      <p:stCondLst>
+                        <p:cond delay="indefinite"/>
+                      </p:stCondLst>
+                      <p:childTnLst>
+                        <p:par>
+                          <p:cTn id="16" fill="hold">
+                            <p:stCondLst>
+                              <p:cond delay="0"/>
+                            </p:stCondLst>
+                            <p:childTnLst>
+                              <p:par>
+                                <p:cTn id="17" presetID="2" presetClass="entr" presetSubtype="4" fill="hold" nodeType="clickEffect">
+                                  <p:stCondLst>
+                                    <p:cond delay="0"/>
+                                  </p:stCondLst>
+                                  <p:childTnLst>
+                                    <p:set>
+                                      <p:cBhvr>
+                                        <p:cTn id="18" dur="1" fill="hold">
+                                          <p:stCondLst>
+                                            <p:cond delay="0"/>
+                                          </p:stCondLst>
+                                        </p:cTn>
+                                        <p:tgtEl>
+                                          <p:spTgt spid="3">
+                                            <p:txEl>
+                                              <p:pRg st="2" end="2"/>
+                                            </p:txEl>
+                                          </p:spTgt>
+                                        </p:tgtEl>
+                                        <p:attrNameLst>
+                                          <p:attrName>style.visibility</p:attrName>
+                                        </p:attrNameLst>
+                                      </p:cBhvr>
+                                      <p:to>
+                                        <p:strVal val="visible"/>
+                                      </p:to>
+                                    </p:set>
+                                    <p:anim calcmode="lin" valueType="num">
+                                      <p:cBhvr additive="base">
+                                        <p:cTn id="19" dur="500" fill="hold"/>
+                                        <p:tgtEl>
+                                          <p:spTgt spid="3">
+                                            <p:txEl>
+                                              <p:pRg st="2" end="2"/>
+                                            </p:txEl>
+                                          </p:spTgt>
+                                        </p:tgtEl>
+                                        <p:attrNameLst>
+                                          <p:attrName>ppt_x</p:attrName>
+                                        </p:attrNameLst>
+                                      </p:cBhvr>
+                                      <p:tavLst>
+                                        <p:tav tm="0">
+                                          <p:val>
+                                            <p:strVal val="#ppt_x"/>
+                                          </p:val>
+                                        </p:tav>
+                                        <p:tav tm="100000">
+                                          <p:val>
+                                            <p:strVal val="#ppt_x"/>
+                                          </p:val>
+                                        </p:tav>
+                                      </p:tavLst>
+                                    </p:anim>
+                                    <p:anim calcmode="lin" valueType="num">
+                                      <p:cBhvr additive="base">
+                                        <p:cTn id="20" dur="500" fill="hold"/>
+                                        <p:tgtEl>
+                                          <p:spTgt spid="3">
+                                            <p:txEl>
+                                              <p:pRg st="2" end="2"/>
+                                            </p:txEl>
+                                          </p:spTgt>
+                                        </p:tgtEl>
+                                        <p:attrNameLst>
+                                          <p:attrName>ppt_y</p:attrName>
+                                        </p:attrNameLst>
+                                      </p:cBhvr>
+                                      <p:tavLst>
+                                        <p:tav tm="0">
+                                          <p:val>
+                                            <p:strVal val="1+#ppt_h/2"/>
+                                          </p:val>
+                                        </p:tav>
+                                        <p:tav tm="100000">
+                                          <p:val>
+                                            <p:strVal val="#ppt_y"/>
+                                          </p:val>
+                                        </p:tav>
+                                      </p:tavLst>
+                                    </p:anim>
+                                  </p:childTnLst>
+                                </p:cTn>
+                              </p:par>
+                            </p:childTnLst>
+                          </p:cTn>
+                        </p:par>
+                      </p:childTnLst>
+                    </p:cTn>
+                  </p:par>
+                  <p:par>
+                    <p:cTn id="21" fill="hold">
+                      <p:stCondLst>
+                        <p:cond delay="indefinite"/>
+                      </p:stCondLst>
+                      <p:childTnLst>
+                        <p:par>
+                          <p:cTn id="22" fill="hold">
+                            <p:stCondLst>
+                              <p:cond delay="0"/>
+                            </p:stCondLst>
+                            <p:childTnLst>
+                              <p:par>
+                                <p:cTn id="23" presetID="2" presetClass="entr" presetSubtype="4" fill="hold" nodeType="clickEffect">
+                                  <p:stCondLst>
+                                    <p:cond delay="0"/>
+                                  </p:stCondLst>
+                                  <p:childTnLst>
+                                    <p:set>
+                                      <p:cBhvr>
+                                        <p:cTn id="24" dur="1" fill="hold">
+                                          <p:stCondLst>
+                                            <p:cond delay="0"/>
+                                          </p:stCondLst>
+                                        </p:cTn>
+                                        <p:tgtEl>
+                                          <p:spTgt spid="3">
+                                            <p:txEl>
+                                              <p:pRg st="3" end="3"/>
+                                            </p:txEl>
+                                          </p:spTgt>
+                                        </p:tgtEl>
+                                        <p:attrNameLst>
+                                          <p:attrName>style.visibility</p:attrName>
+                                        </p:attrNameLst>
+                                      </p:cBhvr>
+                                      <p:to>
+                                        <p:strVal val="visible"/>
+                                      </p:to>
+                                    </p:set>
+                                    <p:anim calcmode="lin" valueType="num">
+                                      <p:cBhvr additive="base">
+                                        <p:cTn id="25" dur="500" fill="hold"/>
+                                        <p:tgtEl>
+                                          <p:spTgt spid="3">
+                                            <p:txEl>
+                                              <p:pRg st="3" end="3"/>
+                                            </p:txEl>
+                                          </p:spTgt>
+                                        </p:tgtEl>
+                                        <p:attrNameLst>
+                                          <p:attrName>ppt_x</p:attrName>
+                                        </p:attrNameLst>
+                                      </p:cBhvr>
+                                      <p:tavLst>
+                                        <p:tav tm="0">
+                                          <p:val>
+                                            <p:strVal val="#ppt_x"/>
+                                          </p:val>
+                                        </p:tav>
+                                        <p:tav tm="100000">
+                                          <p:val>
+                                            <p:strVal val="#ppt_x"/>
+                                          </p:val>
+                                        </p:tav>
+                                      </p:tavLst>
+                                    </p:anim>
+                                    <p:anim calcmode="lin" valueType="num">
+                                      <p:cBhvr additive="base">
+                                        <p:cTn id="26" dur="500" fill="hold"/>
+                                        <p:tgtEl>
+                                          <p:spTgt spid="3">
+                                            <p:txEl>
+                                              <p:pRg st="3" end="3"/>
+                                            </p:txEl>
+                                          </p:spTgt>
+                                        </p:tgtEl>
+                                        <p:attrNameLst>
+                                          <p:attrName>ppt_y</p:attrName>
+                                        </p:attrNameLst>
+                                      </p:cBhvr>
+                                      <p:tavLst>
+                                        <p:tav tm="0">
+                                          <p:val>
+                                            <p:strVal val="1+#ppt_h/2"/>
+                                          </p:val>
+                                        </p:tav>
+                                        <p:tav tm="100000">
+                                          <p:val>
+                                            <p:strVal val="#ppt_y"/>
+                                          </p:val>
+                                        </p:tav>
+                                      </p:tavLst>
+                                    </p:anim>
+                                  </p:childTnLst>
+                                </p:cTn>
+                              </p:par>
+                            </p:childTnLst>
+                          </p:cTn>
+                        </p:par>
+                      </p:childTnLst>
+                    </p:cTn>
+                  </p:par>
+                  <p:par>
+                    <p:cTn id="27" fill="hold">
+                      <p:stCondLst>
+                        <p:cond delay="indefinite"/>
+                      </p:stCondLst>
+                      <p:childTnLst>
+                        <p:par>
+                          <p:cTn id="28" fill="hold">
+                            <p:stCondLst>
+                              <p:cond delay="0"/>
+                            </p:stCondLst>
+                            <p:childTnLst>
+                              <p:par>
+                                <p:cTn id="29" presetID="2" presetClass="entr" presetSubtype="4" fill="hold" nodeType="clickEffect">
+                                  <p:stCondLst>
+                                    <p:cond delay="0"/>
+                                  </p:stCondLst>
+                                  <p:childTnLst>
+                                    <p:set>
+                                      <p:cBhvr>
+                                        <p:cTn id="30" dur="1" fill="hold">
+                                          <p:stCondLst>
+                                            <p:cond delay="0"/>
+                                          </p:stCondLst>
+                                        </p:cTn>
+                                        <p:tgtEl>
+                                          <p:spTgt spid="3">
+                                            <p:txEl>
+                                              <p:pRg st="4" end="4"/>
+                                            </p:txEl>
+                                          </p:spTgt>
+                                        </p:tgtEl>
+                                        <p:attrNameLst>
+                                          <p:attrName>style.visibility</p:attrName>
+                                        </p:attrNameLst>
+                                      </p:cBhvr>
+                                      <p:to>
+                                        <p:strVal val="visible"/>
+                                      </p:to>
+                                    </p:set>
+                                    <p:anim calcmode="lin" valueType="num">
+                                      <p:cBhvr additive="base">
+                                        <p:cTn id="31" dur="500" fill="hold"/>
+                                        <p:tgtEl>
+                                          <p:spTgt spid="3">
+                                            <p:txEl>
+                                              <p:pRg st="4" end="4"/>
+                                            </p:txEl>
+                                          </p:spTgt>
+                                        </p:tgtEl>
+                                        <p:attrNameLst>
+                                          <p:attrName>ppt_x</p:attrName>
+                                        </p:attrNameLst>
+                                      </p:cBhvr>
+                                      <p:tavLst>
+                                        <p:tav tm="0">
+                                          <p:val>
+                                            <p:strVal val="#ppt_x"/>
+                                          </p:val>
+                                        </p:tav>
+                                        <p:tav tm="100000">
+                                          <p:val>
+                                            <p:strVal val="#ppt_x"/>
+                                          </p:val>
+                                        </p:tav>
+                                      </p:tavLst>
+                                    </p:anim>
+                                    <p:anim calcmode="lin" valueType="num">
+                                      <p:cBhvr additive="base">
+                                        <p:cTn id="32" dur="500" fill="hold"/>
+                                        <p:tgtEl>
+                                          <p:spTgt spid="3">
+                                            <p:txEl>
+                                              <p:pRg st="4" end="4"/>
+                                            </p:txEl>
+                                          </p:spTgt>
+                                        </p:tgtEl>
+                                        <p:attrNameLst>
+                                          <p:attrName>ppt_y</p:attrName>
+                                        </p:attrNameLst>
+                                      </p:cBhvr>
+                                      <p:tavLst>
+                                        <p:tav tm="0">
+                                          <p:val>
+                                            <p:strVal val="1+#ppt_h/2"/>
+                                          </p:val>
+                                        </p:tav>
+                                        <p:tav tm="100000">
+                                          <p:val>
+                                            <p:strVal val="#ppt_y"/>
+                                          </p:val>
+                                        </p:tav>
+                                      </p:tavLst>
+                                    </p:anim>
+                                  </p:childTnLst>
+                                </p:cTn>
+                              </p:par>
+                            </p:childTnLst>
+                          </p:cTn>
+                        </p:par>
+                      </p:childTnLst>
+                    </p:cTn>
+                  </p:par>
+                </p:childTnLst>
+              </p:cTn>
+              <p:prevCondLst>
+                <p:cond evt="onPrev" delay="0">
+                  <p:tgtEl>
+                    <p:sldTgt/>
+                  </p:tgtEl>
+                </p:cond>
+              </p:prevCondLst>
+              <p:nextCondLst>
+                <p:cond evt="onNext" delay="0">
+                  <p:tgtEl>
+                    <p:sldTgt/>
+                  </p:tgtEl>
+                </p:cond>
+              </p:nextCondLst>
+            </p:seq>
+          </p:childTnLst>
+        </p:cTn>
+      </p:par>
+    </p:tnLst>
+  </p:timing>
+</p:sld>
+</file>
+
+<file path=ppt/slides/slide13.xml><?xml version="1.0" encoding="utf-8"?>
+<p:sld xmlns:a="http://schemas.openxmlformats.org/drawingml/2006/main" xmlns:r="http://schemas.openxmlformats.org/officeDocument/2006/relationships" xmlns:p="http://schemas.openxmlformats.org/presentationml/2006/main">
+  <p:cSld>
+    <p:spTree>
+      <p:nvGrpSpPr>
+        <p:cNvPr id="1" name=""/>
+        <p:cNvGrpSpPr/>
+        <p:nvPr/>
+      </p:nvGrpSpPr>
+      <p:grpSpPr>
+        <a:xfrm>
+          <a:off x="0" y="0"/>
+          <a:ext cx="0" cy="0"/>
+          <a:chOff x="0" y="0"/>
+          <a:chExt cx="0" cy="0"/>
+        </a:xfrm>
+      </p:grpSpPr>
+      <p:sp>
+        <p:nvSpPr>
+          <p:cNvPr id="2" name="Title 1"/>
+          <p:cNvSpPr>
+            <a:spLocks noGrp="1"/>
+          </p:cNvSpPr>
+          <p:nvPr>
+            <p:ph type="ctrTitle"/>
+          </p:nvPr>
+        </p:nvSpPr>
+        <p:spPr>
+          <a:xfrm>
+            <a:off x="395536" y="-243408"/>
+            <a:ext cx="8229600" cy="1828800"/>
+          </a:xfrm>
+        </p:spPr>
+        <p:txBody>
+          <a:bodyPr/>
+          <a:lstStyle/>
+          <a:p>
+            <a:r>
+              <a:rPr lang="en-ZA" dirty="0" smtClean="0"/>
+              <a:t>How will it benefit?</a:t>
+            </a:r>
+            <a:endParaRPr lang="en-ZA" dirty="0"/>
+          </a:p>
+        </p:txBody>
+      </p:sp>
+      <p:sp>
+        <p:nvSpPr>
+          <p:cNvPr id="3" name="Subtitle 2"/>
+          <p:cNvSpPr>
+            <a:spLocks noGrp="1"/>
+          </p:cNvSpPr>
+          <p:nvPr>
+            <p:ph type="subTitle" idx="1"/>
+          </p:nvPr>
+        </p:nvSpPr>
+        <p:spPr>
+          <a:xfrm>
+            <a:off x="1403648" y="1700808"/>
+            <a:ext cx="6400800" cy="3526302"/>
+          </a:xfrm>
+        </p:spPr>
+        <p:txBody>
+          <a:bodyPr>
+            <a:normAutofit lnSpcReduction="10000"/>
+          </a:bodyPr>
+          <a:lstStyle/>
+          <a:p>
+            <a:pPr marL="514350" indent="-514350">
+              <a:buAutoNum type="arabicPeriod"/>
+            </a:pPr>
+            <a:r>
+              <a:rPr lang="en-ZA" dirty="0" smtClean="0"/>
+              <a:t>Users will watch movies they have a high chance of enjoying,</a:t>
+            </a:r>
+          </a:p>
+          <a:p>
+            <a:pPr marL="514350" indent="-514350">
+              <a:buAutoNum type="arabicPeriod"/>
+            </a:pPr>
+            <a:r>
+              <a:rPr lang="en-ZA" dirty="0" smtClean="0"/>
+              <a:t>Users will find movies fast.</a:t>
+            </a:r>
+          </a:p>
+          <a:p>
+            <a:pPr marL="514350" indent="-514350">
+              <a:buAutoNum type="arabicPeriod"/>
+            </a:pPr>
+            <a:endParaRPr lang="en-ZA" dirty="0"/>
+          </a:p>
+          <a:p>
+            <a:r>
+              <a:rPr lang="en-ZA" dirty="0" smtClean="0"/>
+              <a:t>= Users having a more enjoyable experience on your platform </a:t>
+            </a:r>
+          </a:p>
+          <a:p>
+            <a:r>
+              <a:rPr lang="en-ZA" dirty="0" smtClean="0"/>
+              <a:t>= Users subscribing for longer and telling their friends.</a:t>
+            </a:r>
+          </a:p>
+        </p:txBody>
+      </p:sp>
+    </p:spTree>
+    <p:extLst>
+      <p:ext uri="{BB962C8B-B14F-4D97-AF65-F5344CB8AC3E}">
+        <p14:creationId xmlns:p14="http://schemas.microsoft.com/office/powerpoint/2010/main" val="3545210179"/>
+      </p:ext>
+    </p:extLst>
+  </p:cSld>
+  <p:clrMapOvr>
+    <a:masterClrMapping/>
+  </p:clrMapOvr>
+  <p:timing>
+    <p:tnLst>
+      <p:par>
+        <p:cTn id="1" dur="indefinite" restart="never" nodeType="tmRoot">
+          <p:childTnLst>
+            <p:seq concurrent="1" nextAc="seek">
+              <p:cTn id="2" dur="indefinite" nodeType="mainSeq">
+                <p:childTnLst>
+                  <p:par>
+                    <p:cTn id="3" fill="hold">
+                      <p:stCondLst>
+                        <p:cond delay="indefinite"/>
+                      </p:stCondLst>
+                      <p:childTnLst>
+                        <p:par>
+                          <p:cTn id="4" fill="hold">
+                            <p:stCondLst>
+                              <p:cond delay="0"/>
+                            </p:stCondLst>
+                            <p:childTnLst>
+                              <p:par>
+                                <p:cTn id="5" presetID="2" presetClass="entr" presetSubtype="4" fill="hold" nodeType="clickEffect">
+                                  <p:stCondLst>
+                                    <p:cond delay="0"/>
+                                  </p:stCondLst>
+                                  <p:childTnLst>
+                                    <p:set>
+                                      <p:cBhvr>
+                                        <p:cTn id="6" dur="1" fill="hold">
+                                          <p:stCondLst>
+                                            <p:cond delay="0"/>
+                                          </p:stCondLst>
+                                        </p:cTn>
+                                        <p:tgtEl>
+                                          <p:spTgt spid="3">
+                                            <p:txEl>
+                                              <p:pRg st="0" end="0"/>
+                                            </p:txEl>
+                                          </p:spTgt>
+                                        </p:tgtEl>
+                                        <p:attrNameLst>
+                                          <p:attrName>style.visibility</p:attrName>
+                                        </p:attrNameLst>
+                                      </p:cBhvr>
+                                      <p:to>
+                                        <p:strVal val="visible"/>
+                                      </p:to>
+                                    </p:set>
+                                    <p:anim calcmode="lin" valueType="num">
+                                      <p:cBhvr additive="base">
+                                        <p:cTn id="7" dur="500" fill="hold"/>
+                                        <p:tgtEl>
+                                          <p:spTgt spid="3">
+                                            <p:txEl>
+                                              <p:pRg st="0" end="0"/>
+                                            </p:txEl>
+                                          </p:spTgt>
+                                        </p:tgtEl>
+                                        <p:attrNameLst>
+                                          <p:attrName>ppt_x</p:attrName>
+                                        </p:attrNameLst>
+                                      </p:cBhvr>
+                                      <p:tavLst>
+                                        <p:tav tm="0">
+                                          <p:val>
+                                            <p:strVal val="#ppt_x"/>
+                                          </p:val>
+                                        </p:tav>
+                                        <p:tav tm="100000">
+                                          <p:val>
+                                            <p:strVal val="#ppt_x"/>
+                                          </p:val>
+                                        </p:tav>
+                                      </p:tavLst>
+                                    </p:anim>
+                                    <p:anim calcmode="lin" valueType="num">
+                                      <p:cBhvr additive="base">
+                                        <p:cTn id="8" dur="500" fill="hold"/>
+                                        <p:tgtEl>
+                                          <p:spTgt spid="3">
+                                            <p:txEl>
+                                              <p:pRg st="0" end="0"/>
+                                            </p:txEl>
+                                          </p:spTgt>
+                                        </p:tgtEl>
+                                        <p:attrNameLst>
+                                          <p:attrName>ppt_y</p:attrName>
+                                        </p:attrNameLst>
+                                      </p:cBhvr>
+                                      <p:tavLst>
+                                        <p:tav tm="0">
+                                          <p:val>
+                                            <p:strVal val="1+#ppt_h/2"/>
+                                          </p:val>
+                                        </p:tav>
+                                        <p:tav tm="100000">
+                                          <p:val>
+                                            <p:strVal val="#ppt_y"/>
+                                          </p:val>
+                                        </p:tav>
+                                      </p:tavLst>
+                                    </p:anim>
+                                  </p:childTnLst>
+                                </p:cTn>
+                              </p:par>
+                            </p:childTnLst>
+                          </p:cTn>
+                        </p:par>
+                      </p:childTnLst>
+                    </p:cTn>
+                  </p:par>
+                  <p:par>
+                    <p:cTn id="9" fill="hold">
+                      <p:stCondLst>
+                        <p:cond delay="indefinite"/>
+                      </p:stCondLst>
+                      <p:childTnLst>
+                        <p:par>
+                          <p:cTn id="10" fill="hold">
+                            <p:stCondLst>
+                              <p:cond delay="0"/>
+                            </p:stCondLst>
+                            <p:childTnLst>
+                              <p:par>
+                                <p:cTn id="11" presetID="2" presetClass="entr" presetSubtype="4" fill="hold" nodeType="clickEffect">
+                                  <p:stCondLst>
+                                    <p:cond delay="0"/>
+                                  </p:stCondLst>
+                                  <p:childTnLst>
+                                    <p:set>
+                                      <p:cBhvr>
+                                        <p:cTn id="12" dur="1" fill="hold">
+                                          <p:stCondLst>
+                                            <p:cond delay="0"/>
+                                          </p:stCondLst>
+                                        </p:cTn>
+                                        <p:tgtEl>
+                                          <p:spTgt spid="3">
+                                            <p:txEl>
+                                              <p:pRg st="1" end="1"/>
+                                            </p:txEl>
+                                          </p:spTgt>
+                                        </p:tgtEl>
+                                        <p:attrNameLst>
+                                          <p:attrName>style.visibility</p:attrName>
+                                        </p:attrNameLst>
+                                      </p:cBhvr>
+                                      <p:to>
+                                        <p:strVal val="visible"/>
+                                      </p:to>
+                                    </p:set>
+                                    <p:anim calcmode="lin" valueType="num">
+                                      <p:cBhvr additive="base">
+                                        <p:cTn id="13" dur="500" fill="hold"/>
+                                        <p:tgtEl>
+                                          <p:spTgt spid="3">
+                                            <p:txEl>
+                                              <p:pRg st="1" end="1"/>
+                                            </p:txEl>
+                                          </p:spTgt>
+                                        </p:tgtEl>
+                                        <p:attrNameLst>
+                                          <p:attrName>ppt_x</p:attrName>
+                                        </p:attrNameLst>
+                                      </p:cBhvr>
+                                      <p:tavLst>
+                                        <p:tav tm="0">
+                                          <p:val>
+                                            <p:strVal val="#ppt_x"/>
+                                          </p:val>
+                                        </p:tav>
+                                        <p:tav tm="100000">
+                                          <p:val>
+                                            <p:strVal val="#ppt_x"/>
+                                          </p:val>
+                                        </p:tav>
+                                      </p:tavLst>
+                                    </p:anim>
+                                    <p:anim calcmode="lin" valueType="num">
+                                      <p:cBhvr additive="base">
+                                        <p:cTn id="14" dur="500" fill="hold"/>
+                                        <p:tgtEl>
+                                          <p:spTgt spid="3">
+                                            <p:txEl>
+                                              <p:pRg st="1" end="1"/>
+                                            </p:txEl>
+                                          </p:spTgt>
+                                        </p:tgtEl>
+                                        <p:attrNameLst>
+                                          <p:attrName>ppt_y</p:attrName>
+                                        </p:attrNameLst>
+                                      </p:cBhvr>
+                                      <p:tavLst>
+                                        <p:tav tm="0">
+                                          <p:val>
+                                            <p:strVal val="1+#ppt_h/2"/>
+                                          </p:val>
+                                        </p:tav>
+                                        <p:tav tm="100000">
+                                          <p:val>
+                                            <p:strVal val="#ppt_y"/>
+                                          </p:val>
+                                        </p:tav>
+                                      </p:tavLst>
+                                    </p:anim>
+                                  </p:childTnLst>
+                                </p:cTn>
+                              </p:par>
+                            </p:childTnLst>
+                          </p:cTn>
+                        </p:par>
+                      </p:childTnLst>
+                    </p:cTn>
+                  </p:par>
+                  <p:par>
+                    <p:cTn id="15" fill="hold">
+                      <p:stCondLst>
+                        <p:cond delay="indefinite"/>
+                      </p:stCondLst>
+                      <p:childTnLst>
+                        <p:par>
+                          <p:cTn id="16" fill="hold">
+                            <p:stCondLst>
+                              <p:cond delay="0"/>
+                            </p:stCondLst>
+                            <p:childTnLst>
+                              <p:par>
+                                <p:cTn id="17" presetID="2" presetClass="entr" presetSubtype="4" fill="hold" nodeType="clickEffect">
+                                  <p:stCondLst>
+                                    <p:cond delay="0"/>
+                                  </p:stCondLst>
+                                  <p:childTnLst>
+                                    <p:set>
+                                      <p:cBhvr>
+                                        <p:cTn id="18" dur="1" fill="hold">
+                                          <p:stCondLst>
+                                            <p:cond delay="0"/>
+                                          </p:stCondLst>
+                                        </p:cTn>
+                                        <p:tgtEl>
+                                          <p:spTgt spid="3">
+                                            <p:txEl>
+                                              <p:pRg st="3" end="3"/>
+                                            </p:txEl>
+                                          </p:spTgt>
+                                        </p:tgtEl>
+                                        <p:attrNameLst>
+                                          <p:attrName>style.visibility</p:attrName>
+                                        </p:attrNameLst>
+                                      </p:cBhvr>
+                                      <p:to>
+                                        <p:strVal val="visible"/>
+                                      </p:to>
+                                    </p:set>
+                                    <p:anim calcmode="lin" valueType="num">
+                                      <p:cBhvr additive="base">
+                                        <p:cTn id="19" dur="500" fill="hold"/>
+                                        <p:tgtEl>
+                                          <p:spTgt spid="3">
+                                            <p:txEl>
+                                              <p:pRg st="3" end="3"/>
+                                            </p:txEl>
+                                          </p:spTgt>
+                                        </p:tgtEl>
+                                        <p:attrNameLst>
+                                          <p:attrName>ppt_x</p:attrName>
+                                        </p:attrNameLst>
+                                      </p:cBhvr>
+                                      <p:tavLst>
+                                        <p:tav tm="0">
+                                          <p:val>
+                                            <p:strVal val="#ppt_x"/>
+                                          </p:val>
+                                        </p:tav>
+                                        <p:tav tm="100000">
+                                          <p:val>
+                                            <p:strVal val="#ppt_x"/>
+                                          </p:val>
+                                        </p:tav>
+                                      </p:tavLst>
+                                    </p:anim>
+                                    <p:anim calcmode="lin" valueType="num">
+                                      <p:cBhvr additive="base">
+                                        <p:cTn id="20" dur="500" fill="hold"/>
+                                        <p:tgtEl>
+                                          <p:spTgt spid="3">
+                                            <p:txEl>
+                                              <p:pRg st="3" end="3"/>
+                                            </p:txEl>
+                                          </p:spTgt>
+                                        </p:tgtEl>
+                                        <p:attrNameLst>
+                                          <p:attrName>ppt_y</p:attrName>
+                                        </p:attrNameLst>
+                                      </p:cBhvr>
+                                      <p:tavLst>
+                                        <p:tav tm="0">
+                                          <p:val>
+                                            <p:strVal val="1+#ppt_h/2"/>
+                                          </p:val>
+                                        </p:tav>
+                                        <p:tav tm="100000">
+                                          <p:val>
+                                            <p:strVal val="#ppt_y"/>
+                                          </p:val>
+                                        </p:tav>
+                                      </p:tavLst>
+                                    </p:anim>
+                                  </p:childTnLst>
+                                </p:cTn>
+                              </p:par>
+                            </p:childTnLst>
+                          </p:cTn>
+                        </p:par>
+                      </p:childTnLst>
+                    </p:cTn>
+                  </p:par>
+                  <p:par>
+                    <p:cTn id="21" fill="hold">
+                      <p:stCondLst>
+                        <p:cond delay="indefinite"/>
+                      </p:stCondLst>
+                      <p:childTnLst>
+                        <p:par>
+                          <p:cTn id="22" fill="hold">
+                            <p:stCondLst>
+                              <p:cond delay="0"/>
+                            </p:stCondLst>
+                            <p:childTnLst>
+                              <p:par>
+                                <p:cTn id="23" presetID="2" presetClass="entr" presetSubtype="4" fill="hold" nodeType="clickEffect">
+                                  <p:stCondLst>
+                                    <p:cond delay="0"/>
+                                  </p:stCondLst>
+                                  <p:childTnLst>
+                                    <p:set>
+                                      <p:cBhvr>
+                                        <p:cTn id="24" dur="1" fill="hold">
+                                          <p:stCondLst>
+                                            <p:cond delay="0"/>
+                                          </p:stCondLst>
+                                        </p:cTn>
+                                        <p:tgtEl>
+                                          <p:spTgt spid="3">
+                                            <p:txEl>
+                                              <p:pRg st="4" end="4"/>
+                                            </p:txEl>
+                                          </p:spTgt>
+                                        </p:tgtEl>
+                                        <p:attrNameLst>
+                                          <p:attrName>style.visibility</p:attrName>
+                                        </p:attrNameLst>
+                                      </p:cBhvr>
+                                      <p:to>
+                                        <p:strVal val="visible"/>
+                                      </p:to>
+                                    </p:set>
+                                    <p:anim calcmode="lin" valueType="num">
+                                      <p:cBhvr additive="base">
+                                        <p:cTn id="25" dur="500" fill="hold"/>
+                                        <p:tgtEl>
+                                          <p:spTgt spid="3">
+                                            <p:txEl>
+                                              <p:pRg st="4" end="4"/>
+                                            </p:txEl>
+                                          </p:spTgt>
+                                        </p:tgtEl>
+                                        <p:attrNameLst>
+                                          <p:attrName>ppt_x</p:attrName>
+                                        </p:attrNameLst>
+                                      </p:cBhvr>
+                                      <p:tavLst>
+                                        <p:tav tm="0">
+                                          <p:val>
+                                            <p:strVal val="#ppt_x"/>
+                                          </p:val>
+                                        </p:tav>
+                                        <p:tav tm="100000">
+                                          <p:val>
+                                            <p:strVal val="#ppt_x"/>
+                                          </p:val>
+                                        </p:tav>
+                                      </p:tavLst>
+                                    </p:anim>
+                                    <p:anim calcmode="lin" valueType="num">
+                                      <p:cBhvr additive="base">
+                                        <p:cTn id="26" dur="500" fill="hold"/>
+                                        <p:tgtEl>
+                                          <p:spTgt spid="3">
+                                            <p:txEl>
+                                              <p:pRg st="4" end="4"/>
+                                            </p:txEl>
+                                          </p:spTgt>
+                                        </p:tgtEl>
+                                        <p:attrNameLst>
+                                          <p:attrName>ppt_y</p:attrName>
+                                        </p:attrNameLst>
+                                      </p:cBhvr>
+                                      <p:tavLst>
+                                        <p:tav tm="0">
+                                          <p:val>
+                                            <p:strVal val="1+#ppt_h/2"/>
+                                          </p:val>
+                                        </p:tav>
+                                        <p:tav tm="100000">
+                                          <p:val>
+                                            <p:strVal val="#ppt_y"/>
+                                          </p:val>
+                                        </p:tav>
+                                      </p:tavLst>
+                                    </p:anim>
+                                  </p:childTnLst>
+                                </p:cTn>
+                              </p:par>
+                            </p:childTnLst>
+                          </p:cTn>
+                        </p:par>
+                      </p:childTnLst>
+                    </p:cTn>
+                  </p:par>
+                </p:childTnLst>
+              </p:cTn>
+              <p:prevCondLst>
+                <p:cond evt="onPrev" delay="0">
+                  <p:tgtEl>
+                    <p:sldTgt/>
+                  </p:tgtEl>
+                </p:cond>
+              </p:prevCondLst>
+              <p:nextCondLst>
+                <p:cond evt="onNext" delay="0">
+                  <p:tgtEl>
+                    <p:sldTgt/>
+                  </p:tgtEl>
+                </p:cond>
+              </p:nextCondLst>
+            </p:seq>
+          </p:childTnLst>
+        </p:cTn>
+      </p:par>
+    </p:tnLst>
+  </p:timing>
+</p:sld>
+</file>
+
+<file path=ppt/slides/slide14.xml><?xml version="1.0" encoding="utf-8"?>
+<p:sld xmlns:a="http://schemas.openxmlformats.org/drawingml/2006/main" xmlns:r="http://schemas.openxmlformats.org/officeDocument/2006/relationships" xmlns:p="http://schemas.openxmlformats.org/presentationml/2006/main">
+  <p:cSld>
+    <p:spTree>
+      <p:nvGrpSpPr>
+        <p:cNvPr id="1" name=""/>
+        <p:cNvGrpSpPr/>
+        <p:nvPr/>
+      </p:nvGrpSpPr>
+      <p:grpSpPr>
+        <a:xfrm>
+          <a:off x="0" y="0"/>
+          <a:ext cx="0" cy="0"/>
+          <a:chOff x="0" y="0"/>
+          <a:chExt cx="0" cy="0"/>
+        </a:xfrm>
+      </p:grpSpPr>
+      <p:sp>
+        <p:nvSpPr>
+          <p:cNvPr id="2" name="Title 1"/>
+          <p:cNvSpPr>
+            <a:spLocks noGrp="1"/>
+          </p:cNvSpPr>
+          <p:nvPr>
+            <p:ph type="title"/>
+          </p:nvPr>
+        </p:nvSpPr>
+        <p:spPr/>
+        <p:txBody>
+          <a:bodyPr/>
+          <a:lstStyle/>
+          <a:p>
+            <a:r>
+              <a:rPr lang="en-ZA" dirty="0" smtClean="0"/>
+              <a:t>How will we do this?</a:t>
+            </a:r>
+            <a:endParaRPr lang="en-ZA" dirty="0"/>
+          </a:p>
+        </p:txBody>
+      </p:sp>
+      <p:sp>
+        <p:nvSpPr>
+          <p:cNvPr id="3" name="Content Placeholder 2"/>
+          <p:cNvSpPr>
+            <a:spLocks noGrp="1"/>
+          </p:cNvSpPr>
+          <p:nvPr>
+            <p:ph idx="1"/>
+          </p:nvPr>
+        </p:nvSpPr>
+        <p:spPr/>
+        <p:txBody>
+          <a:bodyPr/>
+          <a:lstStyle/>
+          <a:p>
+            <a:r>
+              <a:rPr lang="en-ZA" dirty="0" smtClean="0"/>
+              <a:t>Instead of telling you, let’s show you…</a:t>
+            </a:r>
+            <a:endParaRPr lang="en-ZA" dirty="0"/>
+          </a:p>
+        </p:txBody>
+      </p:sp>
+      <p:sp>
+        <p:nvSpPr>
+          <p:cNvPr id="4" name="Rectangle 3"/>
+          <p:cNvSpPr/>
+          <p:nvPr/>
+        </p:nvSpPr>
+        <p:spPr>
+          <a:xfrm>
+            <a:off x="-174167" y="2996952"/>
+            <a:ext cx="9001000" cy="1569660"/>
+          </a:xfrm>
+          <a:prstGeom prst="rect">
+            <a:avLst/>
+          </a:prstGeom>
+          <a:noFill/>
+        </p:spPr>
+        <p:txBody>
+          <a:bodyPr wrap="square" lIns="91440" tIns="45720" rIns="91440" bIns="45720">
+            <a:spAutoFit/>
+          </a:bodyPr>
+          <a:lstStyle/>
+          <a:p>
+            <a:pPr algn="ctr"/>
+            <a:r>
+              <a:rPr lang="en-US" sz="9600" b="1" cap="none" spc="0" dirty="0" smtClean="0">
+                <a:ln w="10541" cmpd="sng">
+                  <a:solidFill>
+                    <a:schemeClr val="accent1">
+                      <a:shade val="88000"/>
+                      <a:satMod val="110000"/>
+                    </a:schemeClr>
+                  </a:solidFill>
+                  <a:prstDash val="solid"/>
+                </a:ln>
+                <a:gradFill>
+                  <a:gsLst>
+                    <a:gs pos="0">
+                      <a:schemeClr val="accent1">
+                        <a:tint val="40000"/>
+                        <a:satMod val="250000"/>
+                      </a:schemeClr>
+                    </a:gs>
+                    <a:gs pos="9000">
+                      <a:schemeClr val="accent1">
+                        <a:tint val="52000"/>
+                        <a:satMod val="300000"/>
+                      </a:schemeClr>
+                    </a:gs>
+                    <a:gs pos="50000">
+                      <a:schemeClr val="accent1">
+                        <a:shade val="20000"/>
+                        <a:satMod val="300000"/>
+                      </a:schemeClr>
+                    </a:gs>
+                    <a:gs pos="79000">
+                      <a:schemeClr val="accent1">
+                        <a:tint val="52000"/>
+                        <a:satMod val="300000"/>
+                      </a:schemeClr>
+                    </a:gs>
+                    <a:gs pos="100000">
+                      <a:schemeClr val="accent1">
+                        <a:tint val="40000"/>
+                        <a:satMod val="250000"/>
+                      </a:schemeClr>
+                    </a:gs>
+                  </a:gsLst>
+                  <a:lin ang="5400000"/>
+                </a:gradFill>
+                <a:effectLst/>
+              </a:rPr>
+              <a:t>DEMO TIME!!!</a:t>
+            </a:r>
+            <a:endParaRPr lang="en-US" sz="9600" b="1" cap="none" spc="0" dirty="0">
+              <a:ln w="10541" cmpd="sng">
+                <a:solidFill>
+                  <a:schemeClr val="accent1">
+                    <a:shade val="88000"/>
+                    <a:satMod val="110000"/>
+                  </a:schemeClr>
+                </a:solidFill>
+                <a:prstDash val="solid"/>
+              </a:ln>
+              <a:gradFill>
+                <a:gsLst>
+                  <a:gs pos="0">
+                    <a:schemeClr val="accent1">
+                      <a:tint val="40000"/>
+                      <a:satMod val="250000"/>
+                    </a:schemeClr>
+                  </a:gs>
+                  <a:gs pos="9000">
+                    <a:schemeClr val="accent1">
+                      <a:tint val="52000"/>
+                      <a:satMod val="300000"/>
+                    </a:schemeClr>
+                  </a:gs>
+                  <a:gs pos="50000">
+                    <a:schemeClr val="accent1">
+                      <a:shade val="20000"/>
+                      <a:satMod val="300000"/>
+                    </a:schemeClr>
+                  </a:gs>
+                  <a:gs pos="79000">
+                    <a:schemeClr val="accent1">
+                      <a:tint val="52000"/>
+                      <a:satMod val="300000"/>
+                    </a:schemeClr>
+                  </a:gs>
+                  <a:gs pos="100000">
+                    <a:schemeClr val="accent1">
+                      <a:tint val="40000"/>
+                      <a:satMod val="250000"/>
+                    </a:schemeClr>
+                  </a:gs>
+                </a:gsLst>
+                <a:lin ang="5400000"/>
+              </a:gradFill>
+              <a:effectLst/>
+            </a:endParaRPr>
+          </a:p>
+        </p:txBody>
+      </p:sp>
+    </p:spTree>
+    <p:extLst>
+      <p:ext uri="{BB962C8B-B14F-4D97-AF65-F5344CB8AC3E}">
+        <p14:creationId xmlns:p14="http://schemas.microsoft.com/office/powerpoint/2010/main" val="3525977064"/>
+      </p:ext>
+    </p:extLst>
+  </p:cSld>
+  <p:clrMapOvr>
+    <a:masterClrMapping/>
+  </p:clrMapOvr>
+  <p:timing>
+    <p:tnLst>
+      <p:par>
+        <p:cTn id="1" dur="indefinite" restart="never" nodeType="tmRoot">
+          <p:childTnLst>
+            <p:seq concurrent="1" nextAc="seek">
+              <p:cTn id="2" dur="indefinite" nodeType="mainSeq">
+                <p:childTnLst>
+                  <p:par>
+                    <p:cTn id="3" fill="hold">
+                      <p:stCondLst>
+                        <p:cond delay="indefinite"/>
+                      </p:stCondLst>
+                      <p:childTnLst>
+                        <p:par>
+                          <p:cTn id="4" fill="hold">
+                            <p:stCondLst>
+                              <p:cond delay="0"/>
+                            </p:stCondLst>
+                            <p:childTnLst>
+                              <p:par>
+                                <p:cTn id="5" presetID="10" presetClass="entr" presetSubtype="0" fill="hold" grpId="0" nodeType="clickEffect">
+                                  <p:stCondLst>
+                                    <p:cond delay="0"/>
+                                  </p:stCondLst>
+                                  <p:childTnLst>
+                                    <p:set>
+                                      <p:cBhvr>
+                                        <p:cTn id="6" dur="1" fill="hold">
+                                          <p:stCondLst>
+                                            <p:cond delay="0"/>
+                                          </p:stCondLst>
+                                        </p:cTn>
+                                        <p:tgtEl>
+                                          <p:spTgt spid="3">
+                                            <p:txEl>
+                                              <p:pRg st="0" end="0"/>
+                                            </p:txEl>
+                                          </p:spTgt>
+                                        </p:tgtEl>
+                                        <p:attrNameLst>
+                                          <p:attrName>style.visibility</p:attrName>
+                                        </p:attrNameLst>
+                                      </p:cBhvr>
+                                      <p:to>
+                                        <p:strVal val="visible"/>
+                                      </p:to>
+                                    </p:set>
+                                    <p:animEffect transition="in" filter="fade">
+                                      <p:cBhvr>
+                                        <p:cTn id="7" dur="500"/>
+                                        <p:tgtEl>
+                                          <p:spTgt spid="3">
+                                            <p:txEl>
+                                              <p:pRg st="0" end="0"/>
+                                            </p:txEl>
+                                          </p:spTgt>
+                                        </p:tgtEl>
+                                      </p:cBhvr>
+                                    </p:animEffect>
+                                  </p:childTnLst>
+                                </p:cTn>
+                              </p:par>
+                            </p:childTnLst>
+                          </p:cTn>
+                        </p:par>
+                      </p:childTnLst>
+                    </p:cTn>
+                  </p:par>
+                  <p:par>
+                    <p:cTn id="8" fill="hold">
+                      <p:stCondLst>
+                        <p:cond delay="indefinite"/>
+                      </p:stCondLst>
+                      <p:childTnLst>
+                        <p:par>
+                          <p:cTn id="9" fill="hold">
+                            <p:stCondLst>
+                              <p:cond delay="0"/>
+                            </p:stCondLst>
+                            <p:childTnLst>
+                              <p:par>
+                                <p:cTn id="10" presetID="45" presetClass="entr" presetSubtype="0" fill="hold" grpId="0" nodeType="clickEffect">
+                                  <p:stCondLst>
+                                    <p:cond delay="0"/>
+                                  </p:stCondLst>
+                                  <p:childTnLst>
+                                    <p:set>
+                                      <p:cBhvr>
+                                        <p:cTn id="11" dur="1" fill="hold">
+                                          <p:stCondLst>
+                                            <p:cond delay="0"/>
+                                          </p:stCondLst>
+                                        </p:cTn>
+                                        <p:tgtEl>
+                                          <p:spTgt spid="4"/>
+                                        </p:tgtEl>
+                                        <p:attrNameLst>
+                                          <p:attrName>style.visibility</p:attrName>
+                                        </p:attrNameLst>
+                                      </p:cBhvr>
+                                      <p:to>
+                                        <p:strVal val="visible"/>
+                                      </p:to>
+                                    </p:set>
+                                    <p:animEffect transition="in" filter="fade">
+                                      <p:cBhvr>
+                                        <p:cTn id="12" dur="2000"/>
+                                        <p:tgtEl>
+                                          <p:spTgt spid="4"/>
+                                        </p:tgtEl>
+                                      </p:cBhvr>
+                                    </p:animEffect>
+                                    <p:anim calcmode="lin" valueType="num">
+                                      <p:cBhvr>
+                                        <p:cTn id="13" dur="2000" fill="hold"/>
+                                        <p:tgtEl>
+                                          <p:spTgt spid="4"/>
+                                        </p:tgtEl>
+                                        <p:attrNameLst>
+                                          <p:attrName>ppt_w</p:attrName>
+                                        </p:attrNameLst>
+                                      </p:cBhvr>
+                                      <p:tavLst>
+                                        <p:tav tm="0" fmla="#ppt_w*sin(2.5*pi*$)">
+                                          <p:val>
+                                            <p:fltVal val="0"/>
+                                          </p:val>
+                                        </p:tav>
+                                        <p:tav tm="100000">
+                                          <p:val>
+                                            <p:fltVal val="1"/>
+                                          </p:val>
+                                        </p:tav>
+                                      </p:tavLst>
+                                    </p:anim>
+                                    <p:anim calcmode="lin" valueType="num">
+                                      <p:cBhvr>
+                                        <p:cTn id="14" dur="2000" fill="hold"/>
+                                        <p:tgtEl>
+                                          <p:spTgt spid="4"/>
+                                        </p:tgtEl>
+                                        <p:attrNameLst>
+                                          <p:attrName>ppt_h</p:attrName>
+                                        </p:attrNameLst>
+                                      </p:cBhvr>
+                                      <p:tavLst>
+                                        <p:tav tm="0">
+                                          <p:val>
+                                            <p:strVal val="#ppt_h"/>
+                                          </p:val>
+                                        </p:tav>
+                                        <p:tav tm="100000">
+                                          <p:val>
+                                            <p:strVal val="#ppt_h"/>
+                                          </p:val>
+                                        </p:tav>
+                                      </p:tavLst>
+                                    </p:anim>
+                                  </p:childTnLst>
+                                </p:cTn>
+                              </p:par>
+                            </p:childTnLst>
+                          </p:cTn>
+                        </p:par>
+                      </p:childTnLst>
+                    </p:cTn>
+                  </p:par>
+                </p:childTnLst>
+              </p:cTn>
+              <p:prevCondLst>
+                <p:cond evt="onPrev" delay="0">
+                  <p:tgtEl>
+                    <p:sldTgt/>
+                  </p:tgtEl>
+                </p:cond>
+              </p:prevCondLst>
+              <p:nextCondLst>
+                <p:cond evt="onNext" delay="0">
+                  <p:tgtEl>
+                    <p:sldTgt/>
+                  </p:tgtEl>
+                </p:cond>
+              </p:nextCondLst>
+            </p:seq>
+          </p:childTnLst>
+        </p:cTn>
+      </p:par>
+    </p:tnLst>
+    <p:bldLst>
+      <p:bldP spid="3" grpId="0" build="p"/>
+      <p:bldP spid="4" grpId="0"/>
+    </p:bldLst>
+  </p:timing>
+</p:sld>
+</file>
+
+<file path=ppt/slides/slide15.xml><?xml version="1.0" encoding="utf-8"?>
+<p:sld xmlns:a="http://schemas.openxmlformats.org/drawingml/2006/main" xmlns:r="http://schemas.openxmlformats.org/officeDocument/2006/relationships" xmlns:p="http://schemas.openxmlformats.org/presentationml/2006/main">
+  <p:cSld>
+    <p:spTree>
+      <p:nvGrpSpPr>
+        <p:cNvPr id="1" name=""/>
+        <p:cNvGrpSpPr/>
+        <p:nvPr/>
+      </p:nvGrpSpPr>
+      <p:grpSpPr>
+        <a:xfrm>
+          <a:off x="0" y="0"/>
+          <a:ext cx="0" cy="0"/>
+          <a:chOff x="0" y="0"/>
+          <a:chExt cx="0" cy="0"/>
+        </a:xfrm>
+      </p:grpSpPr>
+      <p:sp>
+        <p:nvSpPr>
+          <p:cNvPr id="2" name="Title 1"/>
+          <p:cNvSpPr>
+            <a:spLocks noGrp="1"/>
+          </p:cNvSpPr>
+          <p:nvPr>
+            <p:ph type="title"/>
+          </p:nvPr>
+        </p:nvSpPr>
+        <p:spPr/>
+        <p:txBody>
+          <a:bodyPr/>
+          <a:lstStyle/>
+          <a:p>
+            <a:r>
+              <a:rPr lang="en-ZA" dirty="0" smtClean="0"/>
+              <a:t>Where can we go from here?</a:t>
+            </a:r>
+            <a:endParaRPr lang="en-ZA" dirty="0"/>
+          </a:p>
+        </p:txBody>
+      </p:sp>
+      <p:sp>
+        <p:nvSpPr>
+          <p:cNvPr id="3" name="Content Placeholder 2"/>
+          <p:cNvSpPr>
+            <a:spLocks noGrp="1"/>
+          </p:cNvSpPr>
+          <p:nvPr>
+            <p:ph idx="1"/>
+          </p:nvPr>
+        </p:nvSpPr>
+        <p:spPr/>
+        <p:txBody>
+          <a:bodyPr/>
+          <a:lstStyle/>
+          <a:p>
+            <a:r>
+              <a:rPr lang="en-ZA" dirty="0" smtClean="0"/>
+              <a:t>The app is merely a Proof of Concept. Our actual plan is that …</a:t>
+            </a:r>
+          </a:p>
+          <a:p>
+            <a:pPr lvl="1"/>
+            <a:r>
+              <a:rPr lang="en-ZA" dirty="0" smtClean="0"/>
+              <a:t>The recommender can automatically track all </a:t>
+            </a:r>
+            <a:r>
+              <a:rPr lang="en-ZA" dirty="0" err="1" smtClean="0"/>
+              <a:t>users’s</a:t>
+            </a:r>
+            <a:r>
+              <a:rPr lang="en-ZA" dirty="0" smtClean="0"/>
+              <a:t> watch history and rating history.</a:t>
+            </a:r>
+          </a:p>
+          <a:p>
+            <a:pPr lvl="1"/>
+            <a:r>
+              <a:rPr lang="en-ZA" dirty="0" smtClean="0"/>
+              <a:t>Recommendations to be made as users sign in or when done watching a movie.</a:t>
+            </a:r>
+          </a:p>
+          <a:p>
+            <a:pPr lvl="1"/>
+            <a:r>
+              <a:rPr lang="en-ZA" dirty="0" smtClean="0"/>
+              <a:t>That the titles of the recommender movies not only appear, but their cover posters as well as how others have rated them.</a:t>
+            </a:r>
+          </a:p>
+        </p:txBody>
+      </p:sp>
+    </p:spTree>
+    <p:extLst>
+      <p:ext uri="{BB962C8B-B14F-4D97-AF65-F5344CB8AC3E}">
+        <p14:creationId xmlns:p14="http://schemas.microsoft.com/office/powerpoint/2010/main" val="578508474"/>
+      </p:ext>
+    </p:extLst>
+  </p:cSld>
+  <p:clrMapOvr>
+    <a:masterClrMapping/>
+  </p:clrMapOvr>
+  <p:timing>
+    <p:tnLst>
+      <p:par>
+        <p:cTn id="1" dur="indefinite" restart="never" nodeType="tmRoot">
+          <p:childTnLst>
+            <p:seq concurrent="1" nextAc="seek">
+              <p:cTn id="2" dur="indefinite" nodeType="mainSeq">
+                <p:childTnLst>
+                  <p:par>
+                    <p:cTn id="3" fill="hold">
+                      <p:stCondLst>
+                        <p:cond delay="indefinite"/>
+                      </p:stCondLst>
+                      <p:childTnLst>
+                        <p:par>
+                          <p:cTn id="4" fill="hold">
+                            <p:stCondLst>
+                              <p:cond delay="0"/>
+                            </p:stCondLst>
+                            <p:childTnLst>
+                              <p:par>
+                                <p:cTn id="5" presetID="2" presetClass="entr" presetSubtype="4" fill="hold" nodeType="clickEffect">
+                                  <p:stCondLst>
+                                    <p:cond delay="0"/>
+                                  </p:stCondLst>
+                                  <p:childTnLst>
+                                    <p:set>
+                                      <p:cBhvr>
+                                        <p:cTn id="6" dur="1" fill="hold">
+                                          <p:stCondLst>
+                                            <p:cond delay="0"/>
+                                          </p:stCondLst>
+                                        </p:cTn>
+                                        <p:tgtEl>
+                                          <p:spTgt spid="3">
+                                            <p:txEl>
+                                              <p:pRg st="0" end="0"/>
+                                            </p:txEl>
+                                          </p:spTgt>
+                                        </p:tgtEl>
+                                        <p:attrNameLst>
+                                          <p:attrName>style.visibility</p:attrName>
+                                        </p:attrNameLst>
+                                      </p:cBhvr>
+                                      <p:to>
+                                        <p:strVal val="visible"/>
+                                      </p:to>
+                                    </p:set>
+                                    <p:anim calcmode="lin" valueType="num">
+                                      <p:cBhvr additive="base">
+                                        <p:cTn id="7" dur="500" fill="hold"/>
+                                        <p:tgtEl>
+                                          <p:spTgt spid="3">
+                                            <p:txEl>
+                                              <p:pRg st="0" end="0"/>
+                                            </p:txEl>
+                                          </p:spTgt>
+                                        </p:tgtEl>
+                                        <p:attrNameLst>
+                                          <p:attrName>ppt_x</p:attrName>
+                                        </p:attrNameLst>
+                                      </p:cBhvr>
+                                      <p:tavLst>
+                                        <p:tav tm="0">
+                                          <p:val>
+                                            <p:strVal val="#ppt_x"/>
+                                          </p:val>
+                                        </p:tav>
+                                        <p:tav tm="100000">
+                                          <p:val>
+                                            <p:strVal val="#ppt_x"/>
+                                          </p:val>
+                                        </p:tav>
+                                      </p:tavLst>
+                                    </p:anim>
+                                    <p:anim calcmode="lin" valueType="num">
+                                      <p:cBhvr additive="base">
+                                        <p:cTn id="8" dur="500" fill="hold"/>
+                                        <p:tgtEl>
+                                          <p:spTgt spid="3">
+                                            <p:txEl>
+                                              <p:pRg st="0" end="0"/>
+                                            </p:txEl>
+                                          </p:spTgt>
+                                        </p:tgtEl>
+                                        <p:attrNameLst>
+                                          <p:attrName>ppt_y</p:attrName>
+                                        </p:attrNameLst>
+                                      </p:cBhvr>
+                                      <p:tavLst>
+                                        <p:tav tm="0">
+                                          <p:val>
+                                            <p:strVal val="1+#ppt_h/2"/>
+                                          </p:val>
+                                        </p:tav>
+                                        <p:tav tm="100000">
+                                          <p:val>
+                                            <p:strVal val="#ppt_y"/>
+                                          </p:val>
+                                        </p:tav>
+                                      </p:tavLst>
+                                    </p:anim>
+                                  </p:childTnLst>
+                                </p:cTn>
+                              </p:par>
+                            </p:childTnLst>
+                          </p:cTn>
+                        </p:par>
+                      </p:childTnLst>
+                    </p:cTn>
+                  </p:par>
+                  <p:par>
+                    <p:cTn id="9" fill="hold">
+                      <p:stCondLst>
+                        <p:cond delay="indefinite"/>
+                      </p:stCondLst>
+                      <p:childTnLst>
+                        <p:par>
+                          <p:cTn id="10" fill="hold">
+                            <p:stCondLst>
+                              <p:cond delay="0"/>
+                            </p:stCondLst>
+                            <p:childTnLst>
+                              <p:par>
+                                <p:cTn id="11" presetID="2" presetClass="entr" presetSubtype="4" fill="hold" nodeType="clickEffect">
+                                  <p:stCondLst>
+                                    <p:cond delay="0"/>
+                                  </p:stCondLst>
+                                  <p:childTnLst>
+                                    <p:set>
+                                      <p:cBhvr>
+                                        <p:cTn id="12" dur="1" fill="hold">
+                                          <p:stCondLst>
+                                            <p:cond delay="0"/>
+                                          </p:stCondLst>
+                                        </p:cTn>
+                                        <p:tgtEl>
+                                          <p:spTgt spid="3">
+                                            <p:txEl>
+                                              <p:pRg st="1" end="1"/>
+                                            </p:txEl>
+                                          </p:spTgt>
+                                        </p:tgtEl>
+                                        <p:attrNameLst>
+                                          <p:attrName>style.visibility</p:attrName>
+                                        </p:attrNameLst>
+                                      </p:cBhvr>
+                                      <p:to>
+                                        <p:strVal val="visible"/>
+                                      </p:to>
+                                    </p:set>
+                                    <p:anim calcmode="lin" valueType="num">
+                                      <p:cBhvr additive="base">
+                                        <p:cTn id="13" dur="500" fill="hold"/>
+                                        <p:tgtEl>
+                                          <p:spTgt spid="3">
+                                            <p:txEl>
+                                              <p:pRg st="1" end="1"/>
+                                            </p:txEl>
+                                          </p:spTgt>
+                                        </p:tgtEl>
+                                        <p:attrNameLst>
+                                          <p:attrName>ppt_x</p:attrName>
+                                        </p:attrNameLst>
+                                      </p:cBhvr>
+                                      <p:tavLst>
+                                        <p:tav tm="0">
+                                          <p:val>
+                                            <p:strVal val="#ppt_x"/>
+                                          </p:val>
+                                        </p:tav>
+                                        <p:tav tm="100000">
+                                          <p:val>
+                                            <p:strVal val="#ppt_x"/>
+                                          </p:val>
+                                        </p:tav>
+                                      </p:tavLst>
+                                    </p:anim>
+                                    <p:anim calcmode="lin" valueType="num">
+                                      <p:cBhvr additive="base">
+                                        <p:cTn id="14" dur="500" fill="hold"/>
+                                        <p:tgtEl>
+                                          <p:spTgt spid="3">
+                                            <p:txEl>
+                                              <p:pRg st="1" end="1"/>
+                                            </p:txEl>
+                                          </p:spTgt>
+                                        </p:tgtEl>
+                                        <p:attrNameLst>
+                                          <p:attrName>ppt_y</p:attrName>
+                                        </p:attrNameLst>
+                                      </p:cBhvr>
+                                      <p:tavLst>
+                                        <p:tav tm="0">
+                                          <p:val>
+                                            <p:strVal val="1+#ppt_h/2"/>
+                                          </p:val>
+                                        </p:tav>
+                                        <p:tav tm="100000">
+                                          <p:val>
+                                            <p:strVal val="#ppt_y"/>
+                                          </p:val>
+                                        </p:tav>
+                                      </p:tavLst>
+                                    </p:anim>
+                                  </p:childTnLst>
+                                </p:cTn>
+                              </p:par>
+                            </p:childTnLst>
+                          </p:cTn>
+                        </p:par>
+                      </p:childTnLst>
+                    </p:cTn>
+                  </p:par>
+                  <p:par>
+                    <p:cTn id="15" fill="hold">
+                      <p:stCondLst>
+                        <p:cond delay="indefinite"/>
+                      </p:stCondLst>
+                      <p:childTnLst>
+                        <p:par>
+                          <p:cTn id="16" fill="hold">
+                            <p:stCondLst>
+                              <p:cond delay="0"/>
+                            </p:stCondLst>
+                            <p:childTnLst>
+                              <p:par>
+                                <p:cTn id="17" presetID="2" presetClass="entr" presetSubtype="4" fill="hold" nodeType="clickEffect">
+                                  <p:stCondLst>
+                                    <p:cond delay="0"/>
+                                  </p:stCondLst>
+                                  <p:childTnLst>
+                                    <p:set>
+                                      <p:cBhvr>
+                                        <p:cTn id="18" dur="1" fill="hold">
+                                          <p:stCondLst>
+                                            <p:cond delay="0"/>
+                                          </p:stCondLst>
+                                        </p:cTn>
+                                        <p:tgtEl>
+                                          <p:spTgt spid="3">
+                                            <p:txEl>
+                                              <p:pRg st="2" end="2"/>
+                                            </p:txEl>
+                                          </p:spTgt>
+                                        </p:tgtEl>
+                                        <p:attrNameLst>
+                                          <p:attrName>style.visibility</p:attrName>
+                                        </p:attrNameLst>
+                                      </p:cBhvr>
+                                      <p:to>
+                                        <p:strVal val="visible"/>
+                                      </p:to>
+                                    </p:set>
+                                    <p:anim calcmode="lin" valueType="num">
+                                      <p:cBhvr additive="base">
+                                        <p:cTn id="19" dur="500" fill="hold"/>
+                                        <p:tgtEl>
+                                          <p:spTgt spid="3">
+                                            <p:txEl>
+                                              <p:pRg st="2" end="2"/>
+                                            </p:txEl>
+                                          </p:spTgt>
+                                        </p:tgtEl>
+                                        <p:attrNameLst>
+                                          <p:attrName>ppt_x</p:attrName>
+                                        </p:attrNameLst>
+                                      </p:cBhvr>
+                                      <p:tavLst>
+                                        <p:tav tm="0">
+                                          <p:val>
+                                            <p:strVal val="#ppt_x"/>
+                                          </p:val>
+                                        </p:tav>
+                                        <p:tav tm="100000">
+                                          <p:val>
+                                            <p:strVal val="#ppt_x"/>
+                                          </p:val>
+                                        </p:tav>
+                                      </p:tavLst>
+                                    </p:anim>
+                                    <p:anim calcmode="lin" valueType="num">
+                                      <p:cBhvr additive="base">
+                                        <p:cTn id="20" dur="500" fill="hold"/>
+                                        <p:tgtEl>
+                                          <p:spTgt spid="3">
+                                            <p:txEl>
+                                              <p:pRg st="2" end="2"/>
+                                            </p:txEl>
+                                          </p:spTgt>
+                                        </p:tgtEl>
+                                        <p:attrNameLst>
+                                          <p:attrName>ppt_y</p:attrName>
+                                        </p:attrNameLst>
+                                      </p:cBhvr>
+                                      <p:tavLst>
+                                        <p:tav tm="0">
+                                          <p:val>
+                                            <p:strVal val="1+#ppt_h/2"/>
+                                          </p:val>
+                                        </p:tav>
+                                        <p:tav tm="100000">
+                                          <p:val>
+                                            <p:strVal val="#ppt_y"/>
+                                          </p:val>
+                                        </p:tav>
+                                      </p:tavLst>
+                                    </p:anim>
+                                  </p:childTnLst>
+                                </p:cTn>
+                              </p:par>
+                            </p:childTnLst>
+                          </p:cTn>
+                        </p:par>
+                      </p:childTnLst>
+                    </p:cTn>
+                  </p:par>
+                  <p:par>
+                    <p:cTn id="21" fill="hold">
+                      <p:stCondLst>
+                        <p:cond delay="indefinite"/>
+                      </p:stCondLst>
+                      <p:childTnLst>
+                        <p:par>
+                          <p:cTn id="22" fill="hold">
+                            <p:stCondLst>
+                              <p:cond delay="0"/>
+                            </p:stCondLst>
+                            <p:childTnLst>
+                              <p:par>
+                                <p:cTn id="23" presetID="2" presetClass="entr" presetSubtype="4" fill="hold" nodeType="clickEffect">
+                                  <p:stCondLst>
+                                    <p:cond delay="0"/>
+                                  </p:stCondLst>
+                                  <p:childTnLst>
+                                    <p:set>
+                                      <p:cBhvr>
+                                        <p:cTn id="24" dur="1" fill="hold">
+                                          <p:stCondLst>
+                                            <p:cond delay="0"/>
+                                          </p:stCondLst>
+                                        </p:cTn>
+                                        <p:tgtEl>
+                                          <p:spTgt spid="3">
+                                            <p:txEl>
+                                              <p:pRg st="3" end="3"/>
+                                            </p:txEl>
+                                          </p:spTgt>
+                                        </p:tgtEl>
+                                        <p:attrNameLst>
+                                          <p:attrName>style.visibility</p:attrName>
+                                        </p:attrNameLst>
+                                      </p:cBhvr>
+                                      <p:to>
+                                        <p:strVal val="visible"/>
+                                      </p:to>
+                                    </p:set>
+                                    <p:anim calcmode="lin" valueType="num">
+                                      <p:cBhvr additive="base">
+                                        <p:cTn id="25" dur="500" fill="hold"/>
+                                        <p:tgtEl>
+                                          <p:spTgt spid="3">
+                                            <p:txEl>
+                                              <p:pRg st="3" end="3"/>
+                                            </p:txEl>
+                                          </p:spTgt>
+                                        </p:tgtEl>
+                                        <p:attrNameLst>
+                                          <p:attrName>ppt_x</p:attrName>
+                                        </p:attrNameLst>
+                                      </p:cBhvr>
+                                      <p:tavLst>
+                                        <p:tav tm="0">
+                                          <p:val>
+                                            <p:strVal val="#ppt_x"/>
+                                          </p:val>
+                                        </p:tav>
+                                        <p:tav tm="100000">
+                                          <p:val>
+                                            <p:strVal val="#ppt_x"/>
+                                          </p:val>
+                                        </p:tav>
+                                      </p:tavLst>
+                                    </p:anim>
+                                    <p:anim calcmode="lin" valueType="num">
+                                      <p:cBhvr additive="base">
+                                        <p:cTn id="26" dur="500" fill="hold"/>
+                                        <p:tgtEl>
+                                          <p:spTgt spid="3">
+                                            <p:txEl>
+                                              <p:pRg st="3" end="3"/>
+                                            </p:txEl>
+                                          </p:spTgt>
+                                        </p:tgtEl>
+                                        <p:attrNameLst>
+                                          <p:attrName>ppt_y</p:attrName>
+                                        </p:attrNameLst>
+                                      </p:cBhvr>
+                                      <p:tavLst>
+                                        <p:tav tm="0">
+                                          <p:val>
+                                            <p:strVal val="1+#ppt_h/2"/>
+                                          </p:val>
+                                        </p:tav>
+                                        <p:tav tm="100000">
+                                          <p:val>
+                                            <p:strVal val="#ppt_y"/>
+                                          </p:val>
+                                        </p:tav>
+                                      </p:tavLst>
+                                    </p:anim>
+                                  </p:childTnLst>
+                                </p:cTn>
+                              </p:par>
+                            </p:childTnLst>
+                          </p:cTn>
+                        </p:par>
+                      </p:childTnLst>
+                    </p:cTn>
+                  </p:par>
+                </p:childTnLst>
+              </p:cTn>
+              <p:prevCondLst>
+                <p:cond evt="onPrev" delay="0">
+                  <p:tgtEl>
+                    <p:sldTgt/>
+                  </p:tgtEl>
+                </p:cond>
+              </p:prevCondLst>
+              <p:nextCondLst>
+                <p:cond evt="onNext" delay="0">
+                  <p:tgtEl>
+                    <p:sldTgt/>
+                  </p:tgtEl>
+                </p:cond>
+              </p:nextCondLst>
+            </p:seq>
+          </p:childTnLst>
+        </p:cTn>
       </p:par>
     </p:tnLst>
   </p:timing>
@@ -3497,7 +6378,189 @@
   <p:timing>
     <p:tnLst>
       <p:par>
-        <p:cTn id="1" dur="indefinite" restart="never" nodeType="tmRoot"/>
+        <p:cTn id="1" dur="indefinite" restart="never" nodeType="tmRoot">
+          <p:childTnLst>
+            <p:seq concurrent="1" nextAc="seek">
+              <p:cTn id="2" dur="indefinite" nodeType="mainSeq">
+                <p:childTnLst>
+                  <p:par>
+                    <p:cTn id="3" fill="hold">
+                      <p:stCondLst>
+                        <p:cond delay="indefinite"/>
+                      </p:stCondLst>
+                      <p:childTnLst>
+                        <p:par>
+                          <p:cTn id="4" fill="hold">
+                            <p:stCondLst>
+                              <p:cond delay="0"/>
+                            </p:stCondLst>
+                            <p:childTnLst>
+                              <p:par>
+                                <p:cTn id="5" presetID="16" presetClass="entr" presetSubtype="21" fill="hold" nodeType="clickEffect">
+                                  <p:stCondLst>
+                                    <p:cond delay="0"/>
+                                  </p:stCondLst>
+                                  <p:childTnLst>
+                                    <p:set>
+                                      <p:cBhvr>
+                                        <p:cTn id="6" dur="1" fill="hold">
+                                          <p:stCondLst>
+                                            <p:cond delay="0"/>
+                                          </p:stCondLst>
+                                        </p:cTn>
+                                        <p:tgtEl>
+                                          <p:spTgt spid="7"/>
+                                        </p:tgtEl>
+                                        <p:attrNameLst>
+                                          <p:attrName>style.visibility</p:attrName>
+                                        </p:attrNameLst>
+                                      </p:cBhvr>
+                                      <p:to>
+                                        <p:strVal val="visible"/>
+                                      </p:to>
+                                    </p:set>
+                                    <p:animEffect transition="in" filter="barn(inVertical)">
+                                      <p:cBhvr>
+                                        <p:cTn id="7" dur="500"/>
+                                        <p:tgtEl>
+                                          <p:spTgt spid="7"/>
+                                        </p:tgtEl>
+                                      </p:cBhvr>
+                                    </p:animEffect>
+                                  </p:childTnLst>
+                                </p:cTn>
+                              </p:par>
+                            </p:childTnLst>
+                          </p:cTn>
+                        </p:par>
+                      </p:childTnLst>
+                    </p:cTn>
+                  </p:par>
+                  <p:par>
+                    <p:cTn id="8" fill="hold">
+                      <p:stCondLst>
+                        <p:cond delay="indefinite"/>
+                      </p:stCondLst>
+                      <p:childTnLst>
+                        <p:par>
+                          <p:cTn id="9" fill="hold">
+                            <p:stCondLst>
+                              <p:cond delay="0"/>
+                            </p:stCondLst>
+                            <p:childTnLst>
+                              <p:par>
+                                <p:cTn id="10" presetID="16" presetClass="entr" presetSubtype="21" fill="hold" nodeType="clickEffect">
+                                  <p:stCondLst>
+                                    <p:cond delay="0"/>
+                                  </p:stCondLst>
+                                  <p:childTnLst>
+                                    <p:set>
+                                      <p:cBhvr>
+                                        <p:cTn id="11" dur="1" fill="hold">
+                                          <p:stCondLst>
+                                            <p:cond delay="0"/>
+                                          </p:stCondLst>
+                                        </p:cTn>
+                                        <p:tgtEl>
+                                          <p:spTgt spid="11"/>
+                                        </p:tgtEl>
+                                        <p:attrNameLst>
+                                          <p:attrName>style.visibility</p:attrName>
+                                        </p:attrNameLst>
+                                      </p:cBhvr>
+                                      <p:to>
+                                        <p:strVal val="visible"/>
+                                      </p:to>
+                                    </p:set>
+                                    <p:animEffect transition="in" filter="barn(inVertical)">
+                                      <p:cBhvr>
+                                        <p:cTn id="12" dur="500"/>
+                                        <p:tgtEl>
+                                          <p:spTgt spid="11"/>
+                                        </p:tgtEl>
+                                      </p:cBhvr>
+                                    </p:animEffect>
+                                  </p:childTnLst>
+                                </p:cTn>
+                              </p:par>
+                            </p:childTnLst>
+                          </p:cTn>
+                        </p:par>
+                      </p:childTnLst>
+                    </p:cTn>
+                  </p:par>
+                  <p:par>
+                    <p:cTn id="13" fill="hold">
+                      <p:stCondLst>
+                        <p:cond delay="indefinite"/>
+                      </p:stCondLst>
+                      <p:childTnLst>
+                        <p:par>
+                          <p:cTn id="14" fill="hold">
+                            <p:stCondLst>
+                              <p:cond delay="0"/>
+                            </p:stCondLst>
+                            <p:childTnLst>
+                              <p:par>
+                                <p:cTn id="15" presetID="16" presetClass="entr" presetSubtype="21" fill="hold" nodeType="clickEffect">
+                                  <p:stCondLst>
+                                    <p:cond delay="0"/>
+                                  </p:stCondLst>
+                                  <p:childTnLst>
+                                    <p:set>
+                                      <p:cBhvr>
+                                        <p:cTn id="16" dur="1" fill="hold">
+                                          <p:stCondLst>
+                                            <p:cond delay="0"/>
+                                          </p:stCondLst>
+                                        </p:cTn>
+                                        <p:tgtEl>
+                                          <p:spTgt spid="8"/>
+                                        </p:tgtEl>
+                                        <p:attrNameLst>
+                                          <p:attrName>style.visibility</p:attrName>
+                                        </p:attrNameLst>
+                                      </p:cBhvr>
+                                      <p:to>
+                                        <p:strVal val="visible"/>
+                                      </p:to>
+                                    </p:set>
+                                    <p:animEffect transition="in" filter="barn(inVertical)">
+                                      <p:cBhvr>
+                                        <p:cTn id="17" dur="500"/>
+                                        <p:tgtEl>
+                                          <p:spTgt spid="8"/>
+                                        </p:tgtEl>
+                                      </p:cBhvr>
+                                    </p:animEffect>
+                                  </p:childTnLst>
+                                </p:cTn>
+                              </p:par>
+                            </p:childTnLst>
+                          </p:cTn>
+                        </p:par>
+                      </p:childTnLst>
+                    </p:cTn>
+                  </p:par>
+                </p:childTnLst>
+              </p:cTn>
+              <p:prevCondLst>
+                <p:cond evt="onPrev" delay="0">
+                  <p:tgtEl>
+                    <p:sldTgt/>
+                  </p:tgtEl>
+                </p:cond>
+              </p:prevCondLst>
+              <p:nextCondLst>
+                <p:cond evt="onNext" delay="0">
+                  <p:tgtEl>
+                    <p:sldTgt/>
+                  </p:tgtEl>
+                </p:cond>
+              </p:nextCondLst>
+            </p:seq>
+          </p:childTnLst>
+        </p:cTn>
       </p:par>
     </p:tnLst>
   </p:timing>
@@ -3634,7 +6697,136 @@
   <p:timing>
     <p:tnLst>
       <p:par>
-        <p:cTn id="1" dur="indefinite" restart="never" nodeType="tmRoot"/>
+        <p:cTn id="1" dur="indefinite" restart="never" nodeType="tmRoot">
+          <p:childTnLst>
+            <p:seq concurrent="1" nextAc="seek">
+              <p:cTn id="2" dur="indefinite" nodeType="mainSeq">
+                <p:childTnLst>
+                  <p:par>
+                    <p:cTn id="3" fill="hold">
+                      <p:stCondLst>
+                        <p:cond delay="indefinite"/>
+                      </p:stCondLst>
+                      <p:childTnLst>
+                        <p:par>
+                          <p:cTn id="4" fill="hold">
+                            <p:stCondLst>
+                              <p:cond delay="0"/>
+                            </p:stCondLst>
+                            <p:childTnLst>
+                              <p:par>
+                                <p:cTn id="5" presetID="21" presetClass="entr" presetSubtype="1" fill="hold" nodeType="clickEffect">
+                                  <p:stCondLst>
+                                    <p:cond delay="0"/>
+                                  </p:stCondLst>
+                                  <p:childTnLst>
+                                    <p:set>
+                                      <p:cBhvr>
+                                        <p:cTn id="6" dur="1" fill="hold">
+                                          <p:stCondLst>
+                                            <p:cond delay="0"/>
+                                          </p:stCondLst>
+                                        </p:cTn>
+                                        <p:tgtEl>
+                                          <p:spTgt spid="4"/>
+                                        </p:tgtEl>
+                                        <p:attrNameLst>
+                                          <p:attrName>style.visibility</p:attrName>
+                                        </p:attrNameLst>
+                                      </p:cBhvr>
+                                      <p:to>
+                                        <p:strVal val="visible"/>
+                                      </p:to>
+                                    </p:set>
+                                    <p:animEffect transition="in" filter="wheel(1)">
+                                      <p:cBhvr>
+                                        <p:cTn id="7" dur="2000"/>
+                                        <p:tgtEl>
+                                          <p:spTgt spid="4"/>
+                                        </p:tgtEl>
+                                      </p:cBhvr>
+                                    </p:animEffect>
+                                  </p:childTnLst>
+                                </p:cTn>
+                              </p:par>
+                            </p:childTnLst>
+                          </p:cTn>
+                        </p:par>
+                      </p:childTnLst>
+                    </p:cTn>
+                  </p:par>
+                  <p:par>
+                    <p:cTn id="8" fill="hold">
+                      <p:stCondLst>
+                        <p:cond delay="indefinite"/>
+                      </p:stCondLst>
+                      <p:childTnLst>
+                        <p:par>
+                          <p:cTn id="9" fill="hold">
+                            <p:stCondLst>
+                              <p:cond delay="0"/>
+                            </p:stCondLst>
+                            <p:childTnLst>
+                              <p:par>
+                                <p:cTn id="10" presetID="21" presetClass="entr" presetSubtype="1" fill="hold" nodeType="clickEffect">
+                                  <p:stCondLst>
+                                    <p:cond delay="0"/>
+                                  </p:stCondLst>
+                                  <p:childTnLst>
+                                    <p:set>
+                                      <p:cBhvr>
+                                        <p:cTn id="11" dur="1" fill="hold">
+                                          <p:stCondLst>
+                                            <p:cond delay="0"/>
+                                          </p:stCondLst>
+                                        </p:cTn>
+                                        <p:tgtEl>
+                                          <p:spTgt spid="6"/>
+                                        </p:tgtEl>
+                                        <p:attrNameLst>
+                                          <p:attrName>style.visibility</p:attrName>
+                                        </p:attrNameLst>
+                                      </p:cBhvr>
+                                      <p:to>
+                                        <p:strVal val="visible"/>
+                                      </p:to>
+                                    </p:set>
+                                    <p:animEffect transition="in" filter="wheel(1)">
+                                      <p:cBhvr>
+                                        <p:cTn id="12" dur="2000"/>
+                                        <p:tgtEl>
+                                          <p:spTgt spid="6"/>
+                                        </p:tgtEl>
+                                      </p:cBhvr>
+                                    </p:animEffect>
+                                  </p:childTnLst>
+                                </p:cTn>
+                              </p:par>
+                            </p:childTnLst>
+                          </p:cTn>
+                        </p:par>
+                      </p:childTnLst>
+                    </p:cTn>
+                  </p:par>
+                </p:childTnLst>
+              </p:cTn>
+              <p:prevCondLst>
+                <p:cond evt="onPrev" delay="0">
+                  <p:tgtEl>
+                    <p:sldTgt/>
+                  </p:tgtEl>
+                </p:cond>
+              </p:prevCondLst>
+              <p:nextCondLst>
+                <p:cond evt="onNext" delay="0">
+                  <p:tgtEl>
+                    <p:sldTgt/>
+                  </p:tgtEl>
+                </p:cond>
+              </p:nextCondLst>
+            </p:seq>
+          </p:childTnLst>
+        </p:cTn>
       </p:par>
     </p:tnLst>
   </p:timing>
@@ -3762,7 +6954,212 @@
   <p:timing>
     <p:tnLst>
       <p:par>
-        <p:cTn id="1" dur="indefinite" restart="never" nodeType="tmRoot"/>
+        <p:cTn id="1" dur="indefinite" restart="never" nodeType="tmRoot">
+          <p:childTnLst>
+            <p:seq concurrent="1" nextAc="seek">
+              <p:cTn id="2" dur="indefinite" nodeType="mainSeq">
+                <p:childTnLst>
+                  <p:par>
+                    <p:cTn id="3" fill="hold">
+                      <p:stCondLst>
+                        <p:cond delay="indefinite"/>
+                      </p:stCondLst>
+                      <p:childTnLst>
+                        <p:par>
+                          <p:cTn id="4" fill="hold">
+                            <p:stCondLst>
+                              <p:cond delay="0"/>
+                            </p:stCondLst>
+                            <p:childTnLst>
+                              <p:par>
+                                <p:cTn id="5" presetID="2" presetClass="entr" presetSubtype="4" fill="hold" nodeType="clickEffect">
+                                  <p:stCondLst>
+                                    <p:cond delay="0"/>
+                                  </p:stCondLst>
+                                  <p:childTnLst>
+                                    <p:set>
+                                      <p:cBhvr>
+                                        <p:cTn id="6" dur="1" fill="hold">
+                                          <p:stCondLst>
+                                            <p:cond delay="0"/>
+                                          </p:stCondLst>
+                                        </p:cTn>
+                                        <p:tgtEl>
+                                          <p:spTgt spid="6"/>
+                                        </p:tgtEl>
+                                        <p:attrNameLst>
+                                          <p:attrName>style.visibility</p:attrName>
+                                        </p:attrNameLst>
+                                      </p:cBhvr>
+                                      <p:to>
+                                        <p:strVal val="visible"/>
+                                      </p:to>
+                                    </p:set>
+                                    <p:anim calcmode="lin" valueType="num">
+                                      <p:cBhvr additive="base">
+                                        <p:cTn id="7" dur="500" fill="hold"/>
+                                        <p:tgtEl>
+                                          <p:spTgt spid="6"/>
+                                        </p:tgtEl>
+                                        <p:attrNameLst>
+                                          <p:attrName>ppt_x</p:attrName>
+                                        </p:attrNameLst>
+                                      </p:cBhvr>
+                                      <p:tavLst>
+                                        <p:tav tm="0">
+                                          <p:val>
+                                            <p:strVal val="#ppt_x"/>
+                                          </p:val>
+                                        </p:tav>
+                                        <p:tav tm="100000">
+                                          <p:val>
+                                            <p:strVal val="#ppt_x"/>
+                                          </p:val>
+                                        </p:tav>
+                                      </p:tavLst>
+                                    </p:anim>
+                                    <p:anim calcmode="lin" valueType="num">
+                                      <p:cBhvr additive="base">
+                                        <p:cTn id="8" dur="500" fill="hold"/>
+                                        <p:tgtEl>
+                                          <p:spTgt spid="6"/>
+                                        </p:tgtEl>
+                                        <p:attrNameLst>
+                                          <p:attrName>ppt_y</p:attrName>
+                                        </p:attrNameLst>
+                                      </p:cBhvr>
+                                      <p:tavLst>
+                                        <p:tav tm="0">
+                                          <p:val>
+                                            <p:strVal val="1+#ppt_h/2"/>
+                                          </p:val>
+                                        </p:tav>
+                                        <p:tav tm="100000">
+                                          <p:val>
+                                            <p:strVal val="#ppt_y"/>
+                                          </p:val>
+                                        </p:tav>
+                                      </p:tavLst>
+                                    </p:anim>
+                                  </p:childTnLst>
+                                </p:cTn>
+                              </p:par>
+                            </p:childTnLst>
+                          </p:cTn>
+                        </p:par>
+                      </p:childTnLst>
+                    </p:cTn>
+                  </p:par>
+                  <p:par>
+                    <p:cTn id="9" fill="hold">
+                      <p:stCondLst>
+                        <p:cond delay="indefinite"/>
+                      </p:stCondLst>
+                      <p:childTnLst>
+                        <p:par>
+                          <p:cTn id="10" fill="hold">
+                            <p:stCondLst>
+                              <p:cond delay="0"/>
+                            </p:stCondLst>
+                            <p:childTnLst>
+                              <p:par>
+                                <p:cTn id="11" presetID="2" presetClass="entr" presetSubtype="4" fill="hold" nodeType="clickEffect">
+                                  <p:stCondLst>
+                                    <p:cond delay="0"/>
+                                  </p:stCondLst>
+                                  <p:childTnLst>
+                                    <p:set>
+                                      <p:cBhvr>
+                                        <p:cTn id="12" dur="1" fill="hold">
+                                          <p:stCondLst>
+                                            <p:cond delay="0"/>
+                                          </p:stCondLst>
+                                        </p:cTn>
+                                        <p:tgtEl>
+                                          <p:spTgt spid="4"/>
+                                        </p:tgtEl>
+                                        <p:attrNameLst>
+                                          <p:attrName>style.visibility</p:attrName>
+                                        </p:attrNameLst>
+                                      </p:cBhvr>
+                                      <p:to>
+                                        <p:strVal val="visible"/>
+                                      </p:to>
+                                    </p:set>
+                                    <p:anim calcmode="lin" valueType="num">
+                                      <p:cBhvr additive="base">
+                                        <p:cTn id="13" dur="500" fill="hold"/>
+                                        <p:tgtEl>
+                                          <p:spTgt spid="4"/>
+                                        </p:tgtEl>
+                                        <p:attrNameLst>
+                                          <p:attrName>ppt_x</p:attrName>
+                                        </p:attrNameLst>
+                                      </p:cBhvr>
+                                      <p:tavLst>
+                                        <p:tav tm="0">
+                                          <p:val>
+                                            <p:strVal val="#ppt_x"/>
+                                          </p:val>
+                                        </p:tav>
+                                        <p:tav tm="100000">
+                                          <p:val>
+                                            <p:strVal val="#ppt_x"/>
+                                          </p:val>
+                                        </p:tav>
+                                      </p:tavLst>
+                                    </p:anim>
+                                    <p:anim calcmode="lin" valueType="num">
+                                      <p:cBhvr additive="base">
+                                        <p:cTn id="14" dur="500" fill="hold"/>
+                                        <p:tgtEl>
+                                          <p:spTgt spid="4"/>
+                                        </p:tgtEl>
+                                        <p:attrNameLst>
+                                          <p:attrName>ppt_y</p:attrName>
+                                        </p:attrNameLst>
+                                      </p:cBhvr>
+                                      <p:tavLst>
+                                        <p:tav tm="0">
+                                          <p:val>
+                                            <p:strVal val="1+#ppt_h/2"/>
+                                          </p:val>
+                                        </p:tav>
+                                        <p:tav tm="100000">
+                                          <p:val>
+                                            <p:strVal val="#ppt_y"/>
+                                          </p:val>
+                                        </p:tav>
+                                      </p:tavLst>
+                                    </p:anim>
+                                  </p:childTnLst>
+                                </p:cTn>
+                              </p:par>
+                            </p:childTnLst>
+                          </p:cTn>
+                        </p:par>
+                      </p:childTnLst>
+                    </p:cTn>
+                  </p:par>
+                </p:childTnLst>
+              </p:cTn>
+              <p:prevCondLst>
+                <p:cond evt="onPrev" delay="0">
+                  <p:tgtEl>
+                    <p:sldTgt/>
+                  </p:tgtEl>
+                </p:cond>
+              </p:prevCondLst>
+              <p:nextCondLst>
+                <p:cond evt="onNext" delay="0">
+                  <p:tgtEl>
+                    <p:sldTgt/>
+                  </p:tgtEl>
+                </p:cond>
+              </p:nextCondLst>
+            </p:seq>
+          </p:childTnLst>
+        </p:cTn>
       </p:par>
     </p:tnLst>
   </p:timing>
